--- a/ppt/Spark.pptx
+++ b/ppt/Spark.pptx
@@ -7,6 +7,7 @@
   <p:sldIdLst>
     <p:sldId id="256" r:id="rId2"/>
     <p:sldId id="257" r:id="rId3"/>
+    <p:sldId id="258" r:id="rId4"/>
   </p:sldIdLst>
   <p:sldSz cx="12192000" cy="6858000"/>
   <p:notesSz cx="6858000" cy="9144000"/>
@@ -105,6 +106,11 @@
       </a:defRPr>
     </a:lvl9pPr>
   </p:defaultTextStyle>
+  <p:extLst>
+    <p:ext uri="{EFAFB233-063F-42B5-8137-9DF3F51BA10A}">
+      <p15:sldGuideLst xmlns:p15="http://schemas.microsoft.com/office/powerpoint/2012/main"/>
+    </p:ext>
+  </p:extLst>
 </p:presentation>
 </file>
 
@@ -158,7 +164,7 @@
           <a:noFill/>
           <a:extLst>
             <a:ext uri="{909E8E84-426E-40dd-AFC4-6F175D3DCCD1}">
-              <a14:hiddenFill xmlns:a14="http://schemas.microsoft.com/office/drawing/2010/main" xmlns="">
+              <a14:hiddenFill xmlns="" xmlns:a14="http://schemas.microsoft.com/office/drawing/2010/main">
                 <a:solidFill>
                   <a:srgbClr val="FFFFFF"/>
                 </a:solidFill>
@@ -218,7 +224,7 @@
             </a:ln>
             <a:extLst>
               <a:ext uri="{91240B29-F687-4f45-9708-019B960494DF}">
-                <a14:hiddenLine xmlns:a14="http://schemas.microsoft.com/office/drawing/2010/main" xmlns="" w="9525">
+                <a14:hiddenLine xmlns="" xmlns:a14="http://schemas.microsoft.com/office/drawing/2010/main" w="9525">
                   <a:solidFill>
                     <a:srgbClr val="000000"/>
                   </a:solidFill>
@@ -308,7 +314,7 @@
             </a:ln>
             <a:extLst>
               <a:ext uri="{91240B29-F687-4f45-9708-019B960494DF}">
-                <a14:hiddenLine xmlns:a14="http://schemas.microsoft.com/office/drawing/2010/main" xmlns="" w="9525">
+                <a14:hiddenLine xmlns="" xmlns:a14="http://schemas.microsoft.com/office/drawing/2010/main" w="9525">
                   <a:solidFill>
                     <a:srgbClr val="000000"/>
                   </a:solidFill>
@@ -398,7 +404,7 @@
             </a:ln>
             <a:extLst>
               <a:ext uri="{91240B29-F687-4f45-9708-019B960494DF}">
-                <a14:hiddenLine xmlns:a14="http://schemas.microsoft.com/office/drawing/2010/main" xmlns="" w="9525">
+                <a14:hiddenLine xmlns="" xmlns:a14="http://schemas.microsoft.com/office/drawing/2010/main" w="9525">
                   <a:solidFill>
                     <a:srgbClr val="000000"/>
                   </a:solidFill>
@@ -432,7 +438,7 @@
             </a:ln>
             <a:extLst>
               <a:ext uri="{91240B29-F687-4f45-9708-019B960494DF}">
-                <a14:hiddenLine xmlns:a14="http://schemas.microsoft.com/office/drawing/2010/main" xmlns="" w="9525">
+                <a14:hiddenLine xmlns="" xmlns:a14="http://schemas.microsoft.com/office/drawing/2010/main" w="9525">
                   <a:solidFill>
                     <a:srgbClr val="000000"/>
                   </a:solidFill>
@@ -522,7 +528,7 @@
             </a:ln>
             <a:extLst>
               <a:ext uri="{91240B29-F687-4f45-9708-019B960494DF}">
-                <a14:hiddenLine xmlns:a14="http://schemas.microsoft.com/office/drawing/2010/main" xmlns="" w="9525">
+                <a14:hiddenLine xmlns="" xmlns:a14="http://schemas.microsoft.com/office/drawing/2010/main" w="9525">
                   <a:solidFill>
                     <a:srgbClr val="000000"/>
                   </a:solidFill>
@@ -584,7 +590,7 @@
             </a:ln>
             <a:extLst>
               <a:ext uri="{91240B29-F687-4f45-9708-019B960494DF}">
-                <a14:hiddenLine xmlns:a14="http://schemas.microsoft.com/office/drawing/2010/main" xmlns="" w="9525">
+                <a14:hiddenLine xmlns="" xmlns:a14="http://schemas.microsoft.com/office/drawing/2010/main" w="9525">
                   <a:solidFill>
                     <a:srgbClr val="000000"/>
                   </a:solidFill>
@@ -646,7 +652,7 @@
             </a:ln>
             <a:extLst>
               <a:ext uri="{91240B29-F687-4f45-9708-019B960494DF}">
-                <a14:hiddenLine xmlns:a14="http://schemas.microsoft.com/office/drawing/2010/main" xmlns="" w="9525">
+                <a14:hiddenLine xmlns="" xmlns:a14="http://schemas.microsoft.com/office/drawing/2010/main" w="9525">
                   <a:solidFill>
                     <a:srgbClr val="000000"/>
                   </a:solidFill>
@@ -736,7 +742,7 @@
             </a:ln>
             <a:extLst>
               <a:ext uri="{91240B29-F687-4f45-9708-019B960494DF}">
-                <a14:hiddenLine xmlns:a14="http://schemas.microsoft.com/office/drawing/2010/main" xmlns="" w="9525">
+                <a14:hiddenLine xmlns="" xmlns:a14="http://schemas.microsoft.com/office/drawing/2010/main" w="9525">
                   <a:solidFill>
                     <a:srgbClr val="000000"/>
                   </a:solidFill>
@@ -798,7 +804,7 @@
             </a:ln>
             <a:extLst>
               <a:ext uri="{91240B29-F687-4f45-9708-019B960494DF}">
-                <a14:hiddenLine xmlns:a14="http://schemas.microsoft.com/office/drawing/2010/main" xmlns="" w="9525">
+                <a14:hiddenLine xmlns="" xmlns:a14="http://schemas.microsoft.com/office/drawing/2010/main" w="9525">
                   <a:solidFill>
                     <a:srgbClr val="000000"/>
                   </a:solidFill>
@@ -860,7 +866,7 @@
             </a:ln>
             <a:extLst>
               <a:ext uri="{91240B29-F687-4f45-9708-019B960494DF}">
-                <a14:hiddenLine xmlns:a14="http://schemas.microsoft.com/office/drawing/2010/main" xmlns="" w="9525">
+                <a14:hiddenLine xmlns="" xmlns:a14="http://schemas.microsoft.com/office/drawing/2010/main" w="9525">
                   <a:solidFill>
                     <a:srgbClr val="000000"/>
                   </a:solidFill>
@@ -950,7 +956,7 @@
             </a:ln>
             <a:extLst>
               <a:ext uri="{91240B29-F687-4f45-9708-019B960494DF}">
-                <a14:hiddenLine xmlns:a14="http://schemas.microsoft.com/office/drawing/2010/main" xmlns="" w="9525">
+                <a14:hiddenLine xmlns="" xmlns:a14="http://schemas.microsoft.com/office/drawing/2010/main" w="9525">
                   <a:solidFill>
                     <a:srgbClr val="000000"/>
                   </a:solidFill>
@@ -1040,7 +1046,7 @@
             </a:ln>
             <a:extLst>
               <a:ext uri="{91240B29-F687-4f45-9708-019B960494DF}">
-                <a14:hiddenLine xmlns:a14="http://schemas.microsoft.com/office/drawing/2010/main" xmlns="" w="9525">
+                <a14:hiddenLine xmlns="" xmlns:a14="http://schemas.microsoft.com/office/drawing/2010/main" w="9525">
                   <a:solidFill>
                     <a:srgbClr val="000000"/>
                   </a:solidFill>
@@ -1102,7 +1108,7 @@
             </a:ln>
             <a:extLst>
               <a:ext uri="{91240B29-F687-4f45-9708-019B960494DF}">
-                <a14:hiddenLine xmlns:a14="http://schemas.microsoft.com/office/drawing/2010/main" xmlns="" w="9525">
+                <a14:hiddenLine xmlns="" xmlns:a14="http://schemas.microsoft.com/office/drawing/2010/main" w="9525">
                   <a:solidFill>
                     <a:srgbClr val="000000"/>
                   </a:solidFill>
@@ -1212,7 +1218,7 @@
             </a:ln>
             <a:extLst>
               <a:ext uri="{91240B29-F687-4f45-9708-019B960494DF}">
-                <a14:hiddenLine xmlns:a14="http://schemas.microsoft.com/office/drawing/2010/main" xmlns="" w="9525">
+                <a14:hiddenLine xmlns="" xmlns:a14="http://schemas.microsoft.com/office/drawing/2010/main" w="9525">
                   <a:solidFill>
                     <a:srgbClr val="000000"/>
                   </a:solidFill>
@@ -1274,7 +1280,7 @@
             </a:ln>
             <a:extLst>
               <a:ext uri="{91240B29-F687-4f45-9708-019B960494DF}">
-                <a14:hiddenLine xmlns:a14="http://schemas.microsoft.com/office/drawing/2010/main" xmlns="" w="9525">
+                <a14:hiddenLine xmlns="" xmlns:a14="http://schemas.microsoft.com/office/drawing/2010/main" w="9525">
                   <a:solidFill>
                     <a:srgbClr val="000000"/>
                   </a:solidFill>
@@ -1364,7 +1370,7 @@
             </a:ln>
             <a:extLst>
               <a:ext uri="{91240B29-F687-4f45-9708-019B960494DF}">
-                <a14:hiddenLine xmlns:a14="http://schemas.microsoft.com/office/drawing/2010/main" xmlns="" w="9525">
+                <a14:hiddenLine xmlns="" xmlns:a14="http://schemas.microsoft.com/office/drawing/2010/main" w="9525">
                   <a:solidFill>
                     <a:srgbClr val="000000"/>
                   </a:solidFill>
@@ -1454,7 +1460,7 @@
             </a:ln>
             <a:extLst>
               <a:ext uri="{91240B29-F687-4f45-9708-019B960494DF}">
-                <a14:hiddenLine xmlns:a14="http://schemas.microsoft.com/office/drawing/2010/main" xmlns="" w="9525">
+                <a14:hiddenLine xmlns="" xmlns:a14="http://schemas.microsoft.com/office/drawing/2010/main" w="9525">
                   <a:solidFill>
                     <a:srgbClr val="000000"/>
                   </a:solidFill>
@@ -1516,7 +1522,7 @@
             </a:ln>
             <a:extLst>
               <a:ext uri="{91240B29-F687-4f45-9708-019B960494DF}">
-                <a14:hiddenLine xmlns:a14="http://schemas.microsoft.com/office/drawing/2010/main" xmlns="" w="9525">
+                <a14:hiddenLine xmlns="" xmlns:a14="http://schemas.microsoft.com/office/drawing/2010/main" w="9525">
                   <a:solidFill>
                     <a:srgbClr val="000000"/>
                   </a:solidFill>
@@ -1606,7 +1612,7 @@
             </a:ln>
             <a:extLst>
               <a:ext uri="{91240B29-F687-4f45-9708-019B960494DF}">
-                <a14:hiddenLine xmlns:a14="http://schemas.microsoft.com/office/drawing/2010/main" xmlns="" w="9525">
+                <a14:hiddenLine xmlns="" xmlns:a14="http://schemas.microsoft.com/office/drawing/2010/main" w="9525">
                   <a:solidFill>
                     <a:srgbClr val="000000"/>
                   </a:solidFill>
@@ -1696,7 +1702,7 @@
             </a:ln>
             <a:extLst>
               <a:ext uri="{91240B29-F687-4f45-9708-019B960494DF}">
-                <a14:hiddenLine xmlns:a14="http://schemas.microsoft.com/office/drawing/2010/main" xmlns="" w="9525">
+                <a14:hiddenLine xmlns="" xmlns:a14="http://schemas.microsoft.com/office/drawing/2010/main" w="9525">
                   <a:solidFill>
                     <a:srgbClr val="000000"/>
                   </a:solidFill>
@@ -1752,7 +1758,7 @@
             </a:ln>
             <a:extLst>
               <a:ext uri="{91240B29-F687-4f45-9708-019B960494DF}">
-                <a14:hiddenLine xmlns:a14="http://schemas.microsoft.com/office/drawing/2010/main" xmlns="" w="9525">
+                <a14:hiddenLine xmlns="" xmlns:a14="http://schemas.microsoft.com/office/drawing/2010/main" w="9525">
                   <a:solidFill>
                     <a:srgbClr val="000000"/>
                   </a:solidFill>
@@ -1842,7 +1848,7 @@
             </a:ln>
             <a:extLst>
               <a:ext uri="{91240B29-F687-4f45-9708-019B960494DF}">
-                <a14:hiddenLine xmlns:a14="http://schemas.microsoft.com/office/drawing/2010/main" xmlns="" w="9525">
+                <a14:hiddenLine xmlns="" xmlns:a14="http://schemas.microsoft.com/office/drawing/2010/main" w="9525">
                   <a:solidFill>
                     <a:srgbClr val="000000"/>
                   </a:solidFill>
@@ -1898,7 +1904,7 @@
             </a:ln>
             <a:extLst>
               <a:ext uri="{91240B29-F687-4f45-9708-019B960494DF}">
-                <a14:hiddenLine xmlns:a14="http://schemas.microsoft.com/office/drawing/2010/main" xmlns="" w="9525">
+                <a14:hiddenLine xmlns="" xmlns:a14="http://schemas.microsoft.com/office/drawing/2010/main" w="9525">
                   <a:solidFill>
                     <a:srgbClr val="000000"/>
                   </a:solidFill>
@@ -1988,7 +1994,7 @@
             </a:ln>
             <a:extLst>
               <a:ext uri="{91240B29-F687-4f45-9708-019B960494DF}">
-                <a14:hiddenLine xmlns:a14="http://schemas.microsoft.com/office/drawing/2010/main" xmlns="" w="9525">
+                <a14:hiddenLine xmlns="" xmlns:a14="http://schemas.microsoft.com/office/drawing/2010/main" w="9525">
                   <a:solidFill>
                     <a:srgbClr val="000000"/>
                   </a:solidFill>
@@ -2056,7 +2062,7 @@
             </a:ln>
             <a:extLst>
               <a:ext uri="{91240B29-F687-4f45-9708-019B960494DF}">
-                <a14:hiddenLine xmlns:a14="http://schemas.microsoft.com/office/drawing/2010/main" xmlns="" w="9525">
+                <a14:hiddenLine xmlns="" xmlns:a14="http://schemas.microsoft.com/office/drawing/2010/main" w="9525">
                   <a:solidFill>
                     <a:srgbClr val="000000"/>
                   </a:solidFill>
@@ -2146,7 +2152,7 @@
             </a:ln>
             <a:extLst>
               <a:ext uri="{91240B29-F687-4f45-9708-019B960494DF}">
-                <a14:hiddenLine xmlns:a14="http://schemas.microsoft.com/office/drawing/2010/main" xmlns="" w="9525">
+                <a14:hiddenLine xmlns="" xmlns:a14="http://schemas.microsoft.com/office/drawing/2010/main" w="9525">
                   <a:solidFill>
                     <a:srgbClr val="000000"/>
                   </a:solidFill>
@@ -2214,7 +2220,7 @@
             </a:ln>
             <a:extLst>
               <a:ext uri="{91240B29-F687-4f45-9708-019B960494DF}">
-                <a14:hiddenLine xmlns:a14="http://schemas.microsoft.com/office/drawing/2010/main" xmlns="" w="9525">
+                <a14:hiddenLine xmlns="" xmlns:a14="http://schemas.microsoft.com/office/drawing/2010/main" w="9525">
                   <a:solidFill>
                     <a:srgbClr val="000000"/>
                   </a:solidFill>
@@ -2304,7 +2310,7 @@
             </a:ln>
             <a:extLst>
               <a:ext uri="{91240B29-F687-4f45-9708-019B960494DF}">
-                <a14:hiddenLine xmlns:a14="http://schemas.microsoft.com/office/drawing/2010/main" xmlns="" w="9525">
+                <a14:hiddenLine xmlns="" xmlns:a14="http://schemas.microsoft.com/office/drawing/2010/main" w="9525">
                   <a:solidFill>
                     <a:srgbClr val="000000"/>
                   </a:solidFill>
@@ -2338,7 +2344,7 @@
             </a:ln>
             <a:extLst>
               <a:ext uri="{91240B29-F687-4f45-9708-019B960494DF}">
-                <a14:hiddenLine xmlns:a14="http://schemas.microsoft.com/office/drawing/2010/main" xmlns="" w="9525">
+                <a14:hiddenLine xmlns="" xmlns:a14="http://schemas.microsoft.com/office/drawing/2010/main" w="9525">
                   <a:solidFill>
                     <a:srgbClr val="000000"/>
                   </a:solidFill>
@@ -2428,7 +2434,7 @@
             </a:ln>
             <a:extLst>
               <a:ext uri="{91240B29-F687-4f45-9708-019B960494DF}">
-                <a14:hiddenLine xmlns:a14="http://schemas.microsoft.com/office/drawing/2010/main" xmlns="" w="9525">
+                <a14:hiddenLine xmlns="" xmlns:a14="http://schemas.microsoft.com/office/drawing/2010/main" w="9525">
                   <a:solidFill>
                     <a:srgbClr val="000000"/>
                   </a:solidFill>
@@ -2490,7 +2496,7 @@
             </a:ln>
             <a:extLst>
               <a:ext uri="{91240B29-F687-4f45-9708-019B960494DF}">
-                <a14:hiddenLine xmlns:a14="http://schemas.microsoft.com/office/drawing/2010/main" xmlns="" w="9525">
+                <a14:hiddenLine xmlns="" xmlns:a14="http://schemas.microsoft.com/office/drawing/2010/main" w="9525">
                   <a:solidFill>
                     <a:srgbClr val="000000"/>
                   </a:solidFill>
@@ -2552,7 +2558,7 @@
             </a:ln>
             <a:extLst>
               <a:ext uri="{91240B29-F687-4f45-9708-019B960494DF}">
-                <a14:hiddenLine xmlns:a14="http://schemas.microsoft.com/office/drawing/2010/main" xmlns="" w="9525">
+                <a14:hiddenLine xmlns="" xmlns:a14="http://schemas.microsoft.com/office/drawing/2010/main" w="9525">
                   <a:solidFill>
                     <a:srgbClr val="000000"/>
                   </a:solidFill>
@@ -2642,7 +2648,7 @@
             </a:ln>
             <a:extLst>
               <a:ext uri="{91240B29-F687-4f45-9708-019B960494DF}">
-                <a14:hiddenLine xmlns:a14="http://schemas.microsoft.com/office/drawing/2010/main" xmlns="" w="9525">
+                <a14:hiddenLine xmlns="" xmlns:a14="http://schemas.microsoft.com/office/drawing/2010/main" w="9525">
                   <a:solidFill>
                     <a:srgbClr val="000000"/>
                   </a:solidFill>
@@ -2710,7 +2716,7 @@
             </a:ln>
             <a:extLst>
               <a:ext uri="{91240B29-F687-4f45-9708-019B960494DF}">
-                <a14:hiddenLine xmlns:a14="http://schemas.microsoft.com/office/drawing/2010/main" xmlns="" w="9525">
+                <a14:hiddenLine xmlns="" xmlns:a14="http://schemas.microsoft.com/office/drawing/2010/main" w="9525">
                   <a:solidFill>
                     <a:srgbClr val="000000"/>
                   </a:solidFill>
@@ -2772,7 +2778,7 @@
             </a:ln>
             <a:extLst>
               <a:ext uri="{91240B29-F687-4f45-9708-019B960494DF}">
-                <a14:hiddenLine xmlns:a14="http://schemas.microsoft.com/office/drawing/2010/main" xmlns="" w="9525">
+                <a14:hiddenLine xmlns="" xmlns:a14="http://schemas.microsoft.com/office/drawing/2010/main" w="9525">
                   <a:solidFill>
                     <a:srgbClr val="000000"/>
                   </a:solidFill>
@@ -2862,7 +2868,7 @@
             </a:ln>
             <a:extLst>
               <a:ext uri="{91240B29-F687-4f45-9708-019B960494DF}">
-                <a14:hiddenLine xmlns:a14="http://schemas.microsoft.com/office/drawing/2010/main" xmlns="" w="9525">
+                <a14:hiddenLine xmlns="" xmlns:a14="http://schemas.microsoft.com/office/drawing/2010/main" w="9525">
                   <a:solidFill>
                     <a:srgbClr val="000000"/>
                   </a:solidFill>
@@ -2924,7 +2930,7 @@
             </a:ln>
             <a:extLst>
               <a:ext uri="{91240B29-F687-4f45-9708-019B960494DF}">
-                <a14:hiddenLine xmlns:a14="http://schemas.microsoft.com/office/drawing/2010/main" xmlns="" w="9525">
+                <a14:hiddenLine xmlns="" xmlns:a14="http://schemas.microsoft.com/office/drawing/2010/main" w="9525">
                   <a:solidFill>
                     <a:srgbClr val="000000"/>
                   </a:solidFill>
@@ -3014,7 +3020,7 @@
             </a:ln>
             <a:extLst>
               <a:ext uri="{91240B29-F687-4f45-9708-019B960494DF}">
-                <a14:hiddenLine xmlns:a14="http://schemas.microsoft.com/office/drawing/2010/main" xmlns="" w="9525">
+                <a14:hiddenLine xmlns="" xmlns:a14="http://schemas.microsoft.com/office/drawing/2010/main" w="9525">
                   <a:solidFill>
                     <a:srgbClr val="000000"/>
                   </a:solidFill>
@@ -3076,7 +3082,7 @@
             </a:ln>
             <a:extLst>
               <a:ext uri="{91240B29-F687-4f45-9708-019B960494DF}">
-                <a14:hiddenLine xmlns:a14="http://schemas.microsoft.com/office/drawing/2010/main" xmlns="" w="9525">
+                <a14:hiddenLine xmlns="" xmlns:a14="http://schemas.microsoft.com/office/drawing/2010/main" w="9525">
                   <a:solidFill>
                     <a:srgbClr val="000000"/>
                   </a:solidFill>
@@ -3166,7 +3172,7 @@
             </a:ln>
             <a:extLst>
               <a:ext uri="{91240B29-F687-4f45-9708-019B960494DF}">
-                <a14:hiddenLine xmlns:a14="http://schemas.microsoft.com/office/drawing/2010/main" xmlns="" w="9525">
+                <a14:hiddenLine xmlns="" xmlns:a14="http://schemas.microsoft.com/office/drawing/2010/main" w="9525">
                   <a:solidFill>
                     <a:srgbClr val="000000"/>
                   </a:solidFill>
@@ -3200,7 +3206,7 @@
             </a:ln>
             <a:extLst>
               <a:ext uri="{91240B29-F687-4f45-9708-019B960494DF}">
-                <a14:hiddenLine xmlns:a14="http://schemas.microsoft.com/office/drawing/2010/main" xmlns="" w="9525">
+                <a14:hiddenLine xmlns="" xmlns:a14="http://schemas.microsoft.com/office/drawing/2010/main" w="9525">
                   <a:solidFill>
                     <a:srgbClr val="000000"/>
                   </a:solidFill>
@@ -3265,7 +3271,7 @@
             </a:ln>
             <a:extLst>
               <a:ext uri="{91240B29-F687-4f45-9708-019B960494DF}">
-                <a14:hiddenLine xmlns:a14="http://schemas.microsoft.com/office/drawing/2010/main" xmlns="" w="9525">
+                <a14:hiddenLine xmlns="" xmlns:a14="http://schemas.microsoft.com/office/drawing/2010/main" w="9525">
                   <a:solidFill>
                     <a:srgbClr val="000000"/>
                   </a:solidFill>
@@ -3355,7 +3361,7 @@
             </a:ln>
             <a:extLst>
               <a:ext uri="{91240B29-F687-4f45-9708-019B960494DF}">
-                <a14:hiddenLine xmlns:a14="http://schemas.microsoft.com/office/drawing/2010/main" xmlns="" w="9525">
+                <a14:hiddenLine xmlns="" xmlns:a14="http://schemas.microsoft.com/office/drawing/2010/main" w="9525">
                   <a:solidFill>
                     <a:srgbClr val="000000"/>
                   </a:solidFill>
@@ -3417,7 +3423,7 @@
             </a:ln>
             <a:extLst>
               <a:ext uri="{91240B29-F687-4f45-9708-019B960494DF}">
-                <a14:hiddenLine xmlns:a14="http://schemas.microsoft.com/office/drawing/2010/main" xmlns="" w="9525">
+                <a14:hiddenLine xmlns="" xmlns:a14="http://schemas.microsoft.com/office/drawing/2010/main" w="9525">
                   <a:solidFill>
                     <a:srgbClr val="000000"/>
                   </a:solidFill>
@@ -3507,7 +3513,7 @@
             </a:ln>
             <a:extLst>
               <a:ext uri="{91240B29-F687-4f45-9708-019B960494DF}">
-                <a14:hiddenLine xmlns:a14="http://schemas.microsoft.com/office/drawing/2010/main" xmlns="" w="9525">
+                <a14:hiddenLine xmlns="" xmlns:a14="http://schemas.microsoft.com/office/drawing/2010/main" w="9525">
                   <a:solidFill>
                     <a:srgbClr val="000000"/>
                   </a:solidFill>
@@ -3597,7 +3603,7 @@
             </a:ln>
             <a:extLst>
               <a:ext uri="{91240B29-F687-4f45-9708-019B960494DF}">
-                <a14:hiddenLine xmlns:a14="http://schemas.microsoft.com/office/drawing/2010/main" xmlns="" w="9525">
+                <a14:hiddenLine xmlns="" xmlns:a14="http://schemas.microsoft.com/office/drawing/2010/main" w="9525">
                   <a:solidFill>
                     <a:srgbClr val="000000"/>
                   </a:solidFill>
@@ -3662,7 +3668,7 @@
             </a:ln>
             <a:extLst>
               <a:ext uri="{91240B29-F687-4f45-9708-019B960494DF}">
-                <a14:hiddenLine xmlns:a14="http://schemas.microsoft.com/office/drawing/2010/main" xmlns="" w="9525">
+                <a14:hiddenLine xmlns="" xmlns:a14="http://schemas.microsoft.com/office/drawing/2010/main" w="9525">
                   <a:solidFill>
                     <a:srgbClr val="000000"/>
                   </a:solidFill>
@@ -3724,7 +3730,7 @@
             </a:ln>
             <a:extLst>
               <a:ext uri="{91240B29-F687-4f45-9708-019B960494DF}">
-                <a14:hiddenLine xmlns:a14="http://schemas.microsoft.com/office/drawing/2010/main" xmlns="" w="9525">
+                <a14:hiddenLine xmlns="" xmlns:a14="http://schemas.microsoft.com/office/drawing/2010/main" w="9525">
                   <a:solidFill>
                     <a:srgbClr val="000000"/>
                   </a:solidFill>
@@ -3814,7 +3820,7 @@
             </a:ln>
             <a:extLst>
               <a:ext uri="{91240B29-F687-4f45-9708-019B960494DF}">
-                <a14:hiddenLine xmlns:a14="http://schemas.microsoft.com/office/drawing/2010/main" xmlns="" w="9525">
+                <a14:hiddenLine xmlns="" xmlns:a14="http://schemas.microsoft.com/office/drawing/2010/main" w="9525">
                   <a:solidFill>
                     <a:srgbClr val="000000"/>
                   </a:solidFill>
@@ -3904,7 +3910,7 @@
             </a:ln>
             <a:extLst>
               <a:ext uri="{91240B29-F687-4f45-9708-019B960494DF}">
-                <a14:hiddenLine xmlns:a14="http://schemas.microsoft.com/office/drawing/2010/main" xmlns="" w="9525">
+                <a14:hiddenLine xmlns="" xmlns:a14="http://schemas.microsoft.com/office/drawing/2010/main" w="9525">
                   <a:solidFill>
                     <a:srgbClr val="000000"/>
                   </a:solidFill>
@@ -3966,7 +3972,7 @@
             </a:ln>
             <a:extLst>
               <a:ext uri="{91240B29-F687-4f45-9708-019B960494DF}">
-                <a14:hiddenLine xmlns:a14="http://schemas.microsoft.com/office/drawing/2010/main" xmlns="" w="9525">
+                <a14:hiddenLine xmlns="" xmlns:a14="http://schemas.microsoft.com/office/drawing/2010/main" w="9525">
                   <a:solidFill>
                     <a:srgbClr val="000000"/>
                   </a:solidFill>
@@ -4086,7 +4092,7 @@
             </a:ln>
             <a:extLst>
               <a:ext uri="{91240B29-F687-4f45-9708-019B960494DF}">
-                <a14:hiddenLine xmlns:a14="http://schemas.microsoft.com/office/drawing/2010/main" xmlns="" w="9525">
+                <a14:hiddenLine xmlns="" xmlns:a14="http://schemas.microsoft.com/office/drawing/2010/main" w="9525">
                   <a:solidFill>
                     <a:srgbClr val="000000"/>
                   </a:solidFill>
@@ -4154,7 +4160,7 @@
             </a:ln>
             <a:extLst>
               <a:ext uri="{91240B29-F687-4f45-9708-019B960494DF}">
-                <a14:hiddenLine xmlns:a14="http://schemas.microsoft.com/office/drawing/2010/main" xmlns="" w="9525">
+                <a14:hiddenLine xmlns="" xmlns:a14="http://schemas.microsoft.com/office/drawing/2010/main" w="9525">
                   <a:solidFill>
                     <a:srgbClr val="000000"/>
                   </a:solidFill>
@@ -4244,7 +4250,7 @@
             </a:ln>
             <a:extLst>
               <a:ext uri="{91240B29-F687-4f45-9708-019B960494DF}">
-                <a14:hiddenLine xmlns:a14="http://schemas.microsoft.com/office/drawing/2010/main" xmlns="" w="9525">
+                <a14:hiddenLine xmlns="" xmlns:a14="http://schemas.microsoft.com/office/drawing/2010/main" w="9525">
                   <a:solidFill>
                     <a:srgbClr val="000000"/>
                   </a:solidFill>
@@ -4384,7 +4390,7 @@
           <a:p>
             <a:fld id="{48A87A34-81AB-432B-8DAE-1953F412C126}" type="datetimeFigureOut">
               <a:rPr lang="en-US" dirty="0"/>
-              <a:t>2/28/2017</a:t>
+              <a:t>3/8/2017</a:t>
             </a:fld>
             <a:endParaRPr lang="en-US" dirty="0"/>
           </a:p>
@@ -4646,7 +4652,7 @@
           <a:p>
             <a:fld id="{48A87A34-81AB-432B-8DAE-1953F412C126}" type="datetimeFigureOut">
               <a:rPr lang="en-US" dirty="0"/>
-              <a:t>2/28/2017</a:t>
+              <a:t>3/8/2017</a:t>
             </a:fld>
             <a:endParaRPr lang="en-US" dirty="0"/>
           </a:p>
@@ -4837,7 +4843,7 @@
           <a:p>
             <a:fld id="{48A87A34-81AB-432B-8DAE-1953F412C126}" type="datetimeFigureOut">
               <a:rPr lang="en-US" dirty="0"/>
-              <a:t>2/28/2017</a:t>
+              <a:t>3/8/2017</a:t>
             </a:fld>
             <a:endParaRPr lang="en-US" dirty="0"/>
           </a:p>
@@ -5095,7 +5101,7 @@
           <a:p>
             <a:fld id="{48A87A34-81AB-432B-8DAE-1953F412C126}" type="datetimeFigureOut">
               <a:rPr lang="en-US" dirty="0"/>
-              <a:t>2/28/2017</a:t>
+              <a:t>3/8/2017</a:t>
             </a:fld>
             <a:endParaRPr lang="en-US" dirty="0"/>
           </a:p>
@@ -5524,7 +5530,7 @@
           <a:p>
             <a:fld id="{48A87A34-81AB-432B-8DAE-1953F412C126}" type="datetimeFigureOut">
               <a:rPr lang="en-US" dirty="0"/>
-              <a:t>2/28/2017</a:t>
+              <a:t>3/8/2017</a:t>
             </a:fld>
             <a:endParaRPr lang="en-US" dirty="0"/>
           </a:p>
@@ -6065,7 +6071,7 @@
           <a:p>
             <a:fld id="{48A87A34-81AB-432B-8DAE-1953F412C126}" type="datetimeFigureOut">
               <a:rPr lang="en-US" dirty="0"/>
-              <a:t>2/28/2017</a:t>
+              <a:t>3/8/2017</a:t>
             </a:fld>
             <a:endParaRPr lang="en-US" dirty="0"/>
           </a:p>
@@ -6780,7 +6786,7 @@
           <a:p>
             <a:fld id="{48A87A34-81AB-432B-8DAE-1953F412C126}" type="datetimeFigureOut">
               <a:rPr lang="en-US" dirty="0"/>
-              <a:t>2/28/2017</a:t>
+              <a:t>3/8/2017</a:t>
             </a:fld>
             <a:endParaRPr lang="en-US" dirty="0"/>
           </a:p>
@@ -6945,7 +6951,7 @@
           <a:p>
             <a:fld id="{48A87A34-81AB-432B-8DAE-1953F412C126}" type="datetimeFigureOut">
               <a:rPr lang="en-US" dirty="0"/>
-              <a:t>2/28/2017</a:t>
+              <a:t>3/8/2017</a:t>
             </a:fld>
             <a:endParaRPr lang="en-US" dirty="0"/>
           </a:p>
@@ -7120,7 +7126,7 @@
           <a:p>
             <a:fld id="{48A87A34-81AB-432B-8DAE-1953F412C126}" type="datetimeFigureOut">
               <a:rPr lang="en-US" dirty="0"/>
-              <a:t>2/28/2017</a:t>
+              <a:t>3/8/2017</a:t>
             </a:fld>
             <a:endParaRPr lang="en-US" dirty="0"/>
           </a:p>
@@ -7285,7 +7291,7 @@
           <a:p>
             <a:fld id="{48A87A34-81AB-432B-8DAE-1953F412C126}" type="datetimeFigureOut">
               <a:rPr lang="en-US" dirty="0"/>
-              <a:t>2/28/2017</a:t>
+              <a:t>3/8/2017</a:t>
             </a:fld>
             <a:endParaRPr lang="en-US" dirty="0"/>
           </a:p>
@@ -7530,7 +7536,7 @@
           <a:p>
             <a:fld id="{48A87A34-81AB-432B-8DAE-1953F412C126}" type="datetimeFigureOut">
               <a:rPr lang="en-US" dirty="0"/>
-              <a:t>2/28/2017</a:t>
+              <a:t>3/8/2017</a:t>
             </a:fld>
             <a:endParaRPr lang="en-US" dirty="0"/>
           </a:p>
@@ -7757,7 +7763,7 @@
           <a:p>
             <a:fld id="{48A87A34-81AB-432B-8DAE-1953F412C126}" type="datetimeFigureOut">
               <a:rPr lang="en-US" dirty="0"/>
-              <a:t>2/28/2017</a:t>
+              <a:t>3/8/2017</a:t>
             </a:fld>
             <a:endParaRPr lang="en-US" dirty="0"/>
           </a:p>
@@ -8133,7 +8139,7 @@
           <a:p>
             <a:fld id="{48A87A34-81AB-432B-8DAE-1953F412C126}" type="datetimeFigureOut">
               <a:rPr lang="en-US" dirty="0"/>
-              <a:t>2/28/2017</a:t>
+              <a:t>3/8/2017</a:t>
             </a:fld>
             <a:endParaRPr lang="en-US" dirty="0"/>
           </a:p>
@@ -8246,7 +8252,7 @@
           <a:p>
             <a:fld id="{48A87A34-81AB-432B-8DAE-1953F412C126}" type="datetimeFigureOut">
               <a:rPr lang="en-US" dirty="0"/>
-              <a:t>2/28/2017</a:t>
+              <a:t>3/8/2017</a:t>
             </a:fld>
             <a:endParaRPr lang="en-US" dirty="0"/>
           </a:p>
@@ -8336,7 +8342,7 @@
           <a:p>
             <a:fld id="{48A87A34-81AB-432B-8DAE-1953F412C126}" type="datetimeFigureOut">
               <a:rPr lang="en-US" dirty="0"/>
-              <a:t>2/28/2017</a:t>
+              <a:t>3/8/2017</a:t>
             </a:fld>
             <a:endParaRPr lang="en-US" dirty="0"/>
           </a:p>
@@ -8580,7 +8586,7 @@
           <a:p>
             <a:fld id="{48A87A34-81AB-432B-8DAE-1953F412C126}" type="datetimeFigureOut">
               <a:rPr lang="en-US" dirty="0"/>
-              <a:t>2/28/2017</a:t>
+              <a:t>3/8/2017</a:t>
             </a:fld>
             <a:endParaRPr lang="en-US" dirty="0"/>
           </a:p>
@@ -8855,7 +8861,7 @@
           <a:p>
             <a:fld id="{48A87A34-81AB-432B-8DAE-1953F412C126}" type="datetimeFigureOut">
               <a:rPr lang="en-US" dirty="0"/>
-              <a:t>2/28/2017</a:t>
+              <a:t>3/8/2017</a:t>
             </a:fld>
             <a:endParaRPr lang="en-US" dirty="0"/>
           </a:p>
@@ -8966,7 +8972,7 @@
           <a:noFill/>
           <a:extLst>
             <a:ext uri="{909E8E84-426E-40dd-AFC4-6F175D3DCCD1}">
-              <a14:hiddenFill xmlns:a14="http://schemas.microsoft.com/office/drawing/2010/main" xmlns="">
+              <a14:hiddenFill xmlns="" xmlns:a14="http://schemas.microsoft.com/office/drawing/2010/main">
                 <a:solidFill>
                   <a:srgbClr val="FFFFFF"/>
                 </a:solidFill>
@@ -9040,7 +9046,7 @@
               </a:ln>
               <a:extLst>
                 <a:ext uri="{91240B29-F687-4f45-9708-019B960494DF}">
-                  <a14:hiddenLine xmlns:a14="http://schemas.microsoft.com/office/drawing/2010/main" xmlns="" w="9525">
+                  <a14:hiddenLine xmlns="" xmlns:a14="http://schemas.microsoft.com/office/drawing/2010/main" w="9525">
                     <a:solidFill>
                       <a:srgbClr val="000000"/>
                     </a:solidFill>
@@ -9130,7 +9136,7 @@
               </a:ln>
               <a:extLst>
                 <a:ext uri="{91240B29-F687-4f45-9708-019B960494DF}">
-                  <a14:hiddenLine xmlns:a14="http://schemas.microsoft.com/office/drawing/2010/main" xmlns="" w="9525">
+                  <a14:hiddenLine xmlns="" xmlns:a14="http://schemas.microsoft.com/office/drawing/2010/main" w="9525">
                     <a:solidFill>
                       <a:srgbClr val="000000"/>
                     </a:solidFill>
@@ -9220,7 +9226,7 @@
               </a:ln>
               <a:extLst>
                 <a:ext uri="{91240B29-F687-4f45-9708-019B960494DF}">
-                  <a14:hiddenLine xmlns:a14="http://schemas.microsoft.com/office/drawing/2010/main" xmlns="" w="9525">
+                  <a14:hiddenLine xmlns="" xmlns:a14="http://schemas.microsoft.com/office/drawing/2010/main" w="9525">
                     <a:solidFill>
                       <a:srgbClr val="000000"/>
                     </a:solidFill>
@@ -9282,7 +9288,7 @@
               </a:ln>
               <a:extLst>
                 <a:ext uri="{91240B29-F687-4f45-9708-019B960494DF}">
-                  <a14:hiddenLine xmlns:a14="http://schemas.microsoft.com/office/drawing/2010/main" xmlns="" w="9525">
+                  <a14:hiddenLine xmlns="" xmlns:a14="http://schemas.microsoft.com/office/drawing/2010/main" w="9525">
                     <a:solidFill>
                       <a:srgbClr val="000000"/>
                     </a:solidFill>
@@ -9372,7 +9378,7 @@
               </a:ln>
               <a:extLst>
                 <a:ext uri="{91240B29-F687-4f45-9708-019B960494DF}">
-                  <a14:hiddenLine xmlns:a14="http://schemas.microsoft.com/office/drawing/2010/main" xmlns="" w="9525">
+                  <a14:hiddenLine xmlns="" xmlns:a14="http://schemas.microsoft.com/office/drawing/2010/main" w="9525">
                     <a:solidFill>
                       <a:srgbClr val="000000"/>
                     </a:solidFill>
@@ -9434,7 +9440,7 @@
               </a:ln>
               <a:extLst>
                 <a:ext uri="{91240B29-F687-4f45-9708-019B960494DF}">
-                  <a14:hiddenLine xmlns:a14="http://schemas.microsoft.com/office/drawing/2010/main" xmlns="" w="9525">
+                  <a14:hiddenLine xmlns="" xmlns:a14="http://schemas.microsoft.com/office/drawing/2010/main" w="9525">
                     <a:solidFill>
                       <a:srgbClr val="000000"/>
                     </a:solidFill>
@@ -9496,7 +9502,7 @@
               </a:ln>
               <a:extLst>
                 <a:ext uri="{91240B29-F687-4f45-9708-019B960494DF}">
-                  <a14:hiddenLine xmlns:a14="http://schemas.microsoft.com/office/drawing/2010/main" xmlns="" w="9525">
+                  <a14:hiddenLine xmlns="" xmlns:a14="http://schemas.microsoft.com/office/drawing/2010/main" w="9525">
                     <a:solidFill>
                       <a:srgbClr val="000000"/>
                     </a:solidFill>
@@ -9586,7 +9592,7 @@
               </a:ln>
               <a:extLst>
                 <a:ext uri="{91240B29-F687-4f45-9708-019B960494DF}">
-                  <a14:hiddenLine xmlns:a14="http://schemas.microsoft.com/office/drawing/2010/main" xmlns="" w="9525">
+                  <a14:hiddenLine xmlns="" xmlns:a14="http://schemas.microsoft.com/office/drawing/2010/main" w="9525">
                     <a:solidFill>
                       <a:srgbClr val="000000"/>
                     </a:solidFill>
@@ -9676,7 +9682,7 @@
               </a:ln>
               <a:extLst>
                 <a:ext uri="{91240B29-F687-4f45-9708-019B960494DF}">
-                  <a14:hiddenLine xmlns:a14="http://schemas.microsoft.com/office/drawing/2010/main" xmlns="" w="9525">
+                  <a14:hiddenLine xmlns="" xmlns:a14="http://schemas.microsoft.com/office/drawing/2010/main" w="9525">
                     <a:solidFill>
                       <a:srgbClr val="000000"/>
                     </a:solidFill>
@@ -9738,7 +9744,7 @@
               </a:ln>
               <a:extLst>
                 <a:ext uri="{91240B29-F687-4f45-9708-019B960494DF}">
-                  <a14:hiddenLine xmlns:a14="http://schemas.microsoft.com/office/drawing/2010/main" xmlns="" w="9525">
+                  <a14:hiddenLine xmlns="" xmlns:a14="http://schemas.microsoft.com/office/drawing/2010/main" w="9525">
                     <a:solidFill>
                       <a:srgbClr val="000000"/>
                     </a:solidFill>
@@ -9848,7 +9854,7 @@
               </a:ln>
               <a:extLst>
                 <a:ext uri="{91240B29-F687-4f45-9708-019B960494DF}">
-                  <a14:hiddenLine xmlns:a14="http://schemas.microsoft.com/office/drawing/2010/main" xmlns="" w="9525">
+                  <a14:hiddenLine xmlns="" xmlns:a14="http://schemas.microsoft.com/office/drawing/2010/main" w="9525">
                     <a:solidFill>
                       <a:srgbClr val="000000"/>
                     </a:solidFill>
@@ -9932,7 +9938,7 @@
               </a:ln>
               <a:extLst>
                 <a:ext uri="{91240B29-F687-4f45-9708-019B960494DF}">
-                  <a14:hiddenLine xmlns:a14="http://schemas.microsoft.com/office/drawing/2010/main" xmlns="" w="9525">
+                  <a14:hiddenLine xmlns="" xmlns:a14="http://schemas.microsoft.com/office/drawing/2010/main" w="9525">
                     <a:solidFill>
                       <a:srgbClr val="000000"/>
                     </a:solidFill>
@@ -9994,7 +10000,7 @@
               </a:ln>
               <a:extLst>
                 <a:ext uri="{91240B29-F687-4f45-9708-019B960494DF}">
-                  <a14:hiddenLine xmlns:a14="http://schemas.microsoft.com/office/drawing/2010/main" xmlns="" w="9525">
+                  <a14:hiddenLine xmlns="" xmlns:a14="http://schemas.microsoft.com/office/drawing/2010/main" w="9525">
                     <a:solidFill>
                       <a:srgbClr val="000000"/>
                     </a:solidFill>
@@ -10056,7 +10062,7 @@
               </a:ln>
               <a:extLst>
                 <a:ext uri="{91240B29-F687-4f45-9708-019B960494DF}">
-                  <a14:hiddenLine xmlns:a14="http://schemas.microsoft.com/office/drawing/2010/main" xmlns="" w="9525">
+                  <a14:hiddenLine xmlns="" xmlns:a14="http://schemas.microsoft.com/office/drawing/2010/main" w="9525">
                     <a:solidFill>
                       <a:srgbClr val="000000"/>
                     </a:solidFill>
@@ -10146,7 +10152,7 @@
               </a:ln>
               <a:extLst>
                 <a:ext uri="{91240B29-F687-4f45-9708-019B960494DF}">
-                  <a14:hiddenLine xmlns:a14="http://schemas.microsoft.com/office/drawing/2010/main" xmlns="" w="9525">
+                  <a14:hiddenLine xmlns="" xmlns:a14="http://schemas.microsoft.com/office/drawing/2010/main" w="9525">
                     <a:solidFill>
                       <a:srgbClr val="000000"/>
                     </a:solidFill>
@@ -10180,7 +10186,7 @@
               </a:ln>
               <a:extLst>
                 <a:ext uri="{91240B29-F687-4f45-9708-019B960494DF}">
-                  <a14:hiddenLine xmlns:a14="http://schemas.microsoft.com/office/drawing/2010/main" xmlns="" w="9525">
+                  <a14:hiddenLine xmlns="" xmlns:a14="http://schemas.microsoft.com/office/drawing/2010/main" w="9525">
                     <a:solidFill>
                       <a:srgbClr val="000000"/>
                     </a:solidFill>
@@ -10245,7 +10251,7 @@
               </a:ln>
               <a:extLst>
                 <a:ext uri="{91240B29-F687-4f45-9708-019B960494DF}">
-                  <a14:hiddenLine xmlns:a14="http://schemas.microsoft.com/office/drawing/2010/main" xmlns="" w="9525">
+                  <a14:hiddenLine xmlns="" xmlns:a14="http://schemas.microsoft.com/office/drawing/2010/main" w="9525">
                     <a:solidFill>
                       <a:srgbClr val="000000"/>
                     </a:solidFill>
@@ -10335,7 +10341,7 @@
               </a:ln>
               <a:extLst>
                 <a:ext uri="{91240B29-F687-4f45-9708-019B960494DF}">
-                  <a14:hiddenLine xmlns:a14="http://schemas.microsoft.com/office/drawing/2010/main" xmlns="" w="9525">
+                  <a14:hiddenLine xmlns="" xmlns:a14="http://schemas.microsoft.com/office/drawing/2010/main" w="9525">
                     <a:solidFill>
                       <a:srgbClr val="000000"/>
                     </a:solidFill>
@@ -10397,7 +10403,7 @@
               </a:ln>
               <a:extLst>
                 <a:ext uri="{91240B29-F687-4f45-9708-019B960494DF}">
-                  <a14:hiddenLine xmlns:a14="http://schemas.microsoft.com/office/drawing/2010/main" xmlns="" w="9525">
+                  <a14:hiddenLine xmlns="" xmlns:a14="http://schemas.microsoft.com/office/drawing/2010/main" w="9525">
                     <a:solidFill>
                       <a:srgbClr val="000000"/>
                     </a:solidFill>
@@ -10487,7 +10493,7 @@
               </a:ln>
               <a:extLst>
                 <a:ext uri="{91240B29-F687-4f45-9708-019B960494DF}">
-                  <a14:hiddenLine xmlns:a14="http://schemas.microsoft.com/office/drawing/2010/main" xmlns="" w="9525">
+                  <a14:hiddenLine xmlns="" xmlns:a14="http://schemas.microsoft.com/office/drawing/2010/main" w="9525">
                     <a:solidFill>
                       <a:srgbClr val="000000"/>
                     </a:solidFill>
@@ -10552,7 +10558,7 @@
               </a:ln>
               <a:extLst>
                 <a:ext uri="{91240B29-F687-4f45-9708-019B960494DF}">
-                  <a14:hiddenLine xmlns:a14="http://schemas.microsoft.com/office/drawing/2010/main" xmlns="" w="9525">
+                  <a14:hiddenLine xmlns="" xmlns:a14="http://schemas.microsoft.com/office/drawing/2010/main" w="9525">
                     <a:solidFill>
                       <a:srgbClr val="000000"/>
                     </a:solidFill>
@@ -10614,7 +10620,7 @@
               </a:ln>
               <a:extLst>
                 <a:ext uri="{91240B29-F687-4f45-9708-019B960494DF}">
-                  <a14:hiddenLine xmlns:a14="http://schemas.microsoft.com/office/drawing/2010/main" xmlns="" w="9525">
+                  <a14:hiddenLine xmlns="" xmlns:a14="http://schemas.microsoft.com/office/drawing/2010/main" w="9525">
                     <a:solidFill>
                       <a:srgbClr val="000000"/>
                     </a:solidFill>
@@ -10704,7 +10710,7 @@
               </a:ln>
               <a:extLst>
                 <a:ext uri="{91240B29-F687-4f45-9708-019B960494DF}">
-                  <a14:hiddenLine xmlns:a14="http://schemas.microsoft.com/office/drawing/2010/main" xmlns="" w="9525">
+                  <a14:hiddenLine xmlns="" xmlns:a14="http://schemas.microsoft.com/office/drawing/2010/main" w="9525">
                     <a:solidFill>
                       <a:srgbClr val="000000"/>
                     </a:solidFill>
@@ -10794,7 +10800,7 @@
               </a:ln>
               <a:extLst>
                 <a:ext uri="{91240B29-F687-4f45-9708-019B960494DF}">
-                  <a14:hiddenLine xmlns:a14="http://schemas.microsoft.com/office/drawing/2010/main" xmlns="" w="9525">
+                  <a14:hiddenLine xmlns="" xmlns:a14="http://schemas.microsoft.com/office/drawing/2010/main" w="9525">
                     <a:solidFill>
                       <a:srgbClr val="000000"/>
                     </a:solidFill>
@@ -10859,7 +10865,7 @@
               </a:ln>
               <a:extLst>
                 <a:ext uri="{91240B29-F687-4f45-9708-019B960494DF}">
-                  <a14:hiddenLine xmlns:a14="http://schemas.microsoft.com/office/drawing/2010/main" xmlns="" w="9525">
+                  <a14:hiddenLine xmlns="" xmlns:a14="http://schemas.microsoft.com/office/drawing/2010/main" w="9525">
                     <a:solidFill>
                       <a:srgbClr val="000000"/>
                     </a:solidFill>
@@ -10979,7 +10985,7 @@
               </a:ln>
               <a:extLst>
                 <a:ext uri="{91240B29-F687-4f45-9708-019B960494DF}">
-                  <a14:hiddenLine xmlns:a14="http://schemas.microsoft.com/office/drawing/2010/main" xmlns="" w="9525">
+                  <a14:hiddenLine xmlns="" xmlns:a14="http://schemas.microsoft.com/office/drawing/2010/main" w="9525">
                     <a:solidFill>
                       <a:srgbClr val="000000"/>
                     </a:solidFill>
@@ -11077,7 +11083,7 @@
               </a:ln>
               <a:extLst>
                 <a:ext uri="{91240B29-F687-4f45-9708-019B960494DF}">
-                  <a14:hiddenLine xmlns:a14="http://schemas.microsoft.com/office/drawing/2010/main" xmlns="" w="9525">
+                  <a14:hiddenLine xmlns="" xmlns:a14="http://schemas.microsoft.com/office/drawing/2010/main" w="9525">
                     <a:solidFill>
                       <a:srgbClr val="000000"/>
                     </a:solidFill>
@@ -11192,7 +11198,7 @@
               </a:ln>
               <a:extLst>
                 <a:ext uri="{91240B29-F687-4f45-9708-019B960494DF}">
-                  <a14:hiddenLine xmlns:a14="http://schemas.microsoft.com/office/drawing/2010/main" xmlns="" w="9525">
+                  <a14:hiddenLine xmlns="" xmlns:a14="http://schemas.microsoft.com/office/drawing/2010/main" w="9525">
                     <a:solidFill>
                       <a:srgbClr val="000000"/>
                     </a:solidFill>
@@ -11282,7 +11288,7 @@
               </a:ln>
               <a:extLst>
                 <a:ext uri="{91240B29-F687-4f45-9708-019B960494DF}">
-                  <a14:hiddenLine xmlns:a14="http://schemas.microsoft.com/office/drawing/2010/main" xmlns="" w="9525">
+                  <a14:hiddenLine xmlns="" xmlns:a14="http://schemas.microsoft.com/office/drawing/2010/main" w="9525">
                     <a:solidFill>
                       <a:srgbClr val="000000"/>
                     </a:solidFill>
@@ -11347,7 +11353,7 @@
               </a:ln>
               <a:extLst>
                 <a:ext uri="{91240B29-F687-4f45-9708-019B960494DF}">
-                  <a14:hiddenLine xmlns:a14="http://schemas.microsoft.com/office/drawing/2010/main" xmlns="" w="9525">
+                  <a14:hiddenLine xmlns="" xmlns:a14="http://schemas.microsoft.com/office/drawing/2010/main" w="9525">
                     <a:solidFill>
                       <a:srgbClr val="000000"/>
                     </a:solidFill>
@@ -11437,7 +11443,7 @@
               </a:ln>
               <a:extLst>
                 <a:ext uri="{91240B29-F687-4f45-9708-019B960494DF}">
-                  <a14:hiddenLine xmlns:a14="http://schemas.microsoft.com/office/drawing/2010/main" xmlns="" w="9525">
+                  <a14:hiddenLine xmlns="" xmlns:a14="http://schemas.microsoft.com/office/drawing/2010/main" w="9525">
                     <a:solidFill>
                       <a:srgbClr val="000000"/>
                     </a:solidFill>
@@ -11505,7 +11511,7 @@
               </a:ln>
               <a:extLst>
                 <a:ext uri="{91240B29-F687-4f45-9708-019B960494DF}">
-                  <a14:hiddenLine xmlns:a14="http://schemas.microsoft.com/office/drawing/2010/main" xmlns="" w="9525">
+                  <a14:hiddenLine xmlns="" xmlns:a14="http://schemas.microsoft.com/office/drawing/2010/main" w="9525">
                     <a:solidFill>
                       <a:srgbClr val="000000"/>
                     </a:solidFill>
@@ -11595,7 +11601,7 @@
               </a:ln>
               <a:extLst>
                 <a:ext uri="{91240B29-F687-4f45-9708-019B960494DF}">
-                  <a14:hiddenLine xmlns:a14="http://schemas.microsoft.com/office/drawing/2010/main" xmlns="" w="9525">
+                  <a14:hiddenLine xmlns="" xmlns:a14="http://schemas.microsoft.com/office/drawing/2010/main" w="9525">
                     <a:solidFill>
                       <a:srgbClr val="000000"/>
                     </a:solidFill>
@@ -11663,7 +11669,7 @@
               </a:ln>
               <a:extLst>
                 <a:ext uri="{91240B29-F687-4f45-9708-019B960494DF}">
-                  <a14:hiddenLine xmlns:a14="http://schemas.microsoft.com/office/drawing/2010/main" xmlns="" w="9525">
+                  <a14:hiddenLine xmlns="" xmlns:a14="http://schemas.microsoft.com/office/drawing/2010/main" w="9525">
                     <a:solidFill>
                       <a:srgbClr val="000000"/>
                     </a:solidFill>
@@ -11753,7 +11759,7 @@
               </a:ln>
               <a:extLst>
                 <a:ext uri="{91240B29-F687-4f45-9708-019B960494DF}">
-                  <a14:hiddenLine xmlns:a14="http://schemas.microsoft.com/office/drawing/2010/main" xmlns="" w="9525">
+                  <a14:hiddenLine xmlns="" xmlns:a14="http://schemas.microsoft.com/office/drawing/2010/main" w="9525">
                     <a:solidFill>
                       <a:srgbClr val="000000"/>
                     </a:solidFill>
@@ -11787,7 +11793,7 @@
               </a:ln>
               <a:extLst>
                 <a:ext uri="{91240B29-F687-4f45-9708-019B960494DF}">
-                  <a14:hiddenLine xmlns:a14="http://schemas.microsoft.com/office/drawing/2010/main" xmlns="" w="9525">
+                  <a14:hiddenLine xmlns="" xmlns:a14="http://schemas.microsoft.com/office/drawing/2010/main" w="9525">
                     <a:solidFill>
                       <a:srgbClr val="000000"/>
                     </a:solidFill>
@@ -11928,7 +11934,7 @@
             <a:fld id="{48A87A34-81AB-432B-8DAE-1953F412C126}" type="datetimeFigureOut">
               <a:rPr lang="en-US" dirty="0"/>
               <a:pPr/>
-              <a:t>2/28/2017</a:t>
+              <a:t>3/8/2017</a:t>
             </a:fld>
             <a:endParaRPr lang="en-US" dirty="0"/>
           </a:p>
@@ -12485,6 +12491,136 @@
 </p:sld>
 </file>
 
+<file path=ppt/slides/slide3.xml><?xml version="1.0" encoding="utf-8"?>
+<p:sld xmlns:a="http://schemas.openxmlformats.org/drawingml/2006/main" xmlns:r="http://schemas.openxmlformats.org/officeDocument/2006/relationships" xmlns:p="http://schemas.openxmlformats.org/presentationml/2006/main">
+  <p:cSld>
+    <p:spTree>
+      <p:nvGrpSpPr>
+        <p:cNvPr id="1" name=""/>
+        <p:cNvGrpSpPr/>
+        <p:nvPr/>
+      </p:nvGrpSpPr>
+      <p:grpSpPr>
+        <a:xfrm>
+          <a:off x="0" y="0"/>
+          <a:ext cx="0" cy="0"/>
+          <a:chOff x="0" y="0"/>
+          <a:chExt cx="0" cy="0"/>
+        </a:xfrm>
+      </p:grpSpPr>
+      <p:sp>
+        <p:nvSpPr>
+          <p:cNvPr id="2" name="Title 1"/>
+          <p:cNvSpPr>
+            <a:spLocks noGrp="1"/>
+          </p:cNvSpPr>
+          <p:nvPr>
+            <p:ph type="title"/>
+          </p:nvPr>
+        </p:nvSpPr>
+        <p:spPr/>
+        <p:txBody>
+          <a:bodyPr/>
+          <a:lstStyle/>
+          <a:p>
+            <a:r>
+              <a:rPr lang="en-US" dirty="0" smtClean="0"/>
+              <a:t>--master</a:t>
+            </a:r>
+            <a:endParaRPr lang="en-US" dirty="0"/>
+          </a:p>
+        </p:txBody>
+      </p:sp>
+      <p:sp>
+        <p:nvSpPr>
+          <p:cNvPr id="3" name="Content Placeholder 2"/>
+          <p:cNvSpPr>
+            <a:spLocks noGrp="1"/>
+          </p:cNvSpPr>
+          <p:nvPr>
+            <p:ph idx="1"/>
+          </p:nvPr>
+        </p:nvSpPr>
+        <p:spPr>
+          <a:xfrm>
+            <a:off x="1580324" y="2826730"/>
+            <a:ext cx="9183459" cy="3541714"/>
+          </a:xfrm>
+        </p:spPr>
+        <p:txBody>
+          <a:bodyPr/>
+          <a:lstStyle/>
+          <a:p>
+            <a:r>
+              <a:rPr lang="en-US" dirty="0"/>
+              <a:t>Resource optimization won't be efficient in standalone mode.</a:t>
+            </a:r>
+          </a:p>
+          <a:p>
+            <a:r>
+              <a:rPr lang="en-US" dirty="0"/>
+              <a:t>In standalone mode, driver program launch an executor in every node of a cluster irrespective of data locality.</a:t>
+            </a:r>
+          </a:p>
+          <a:p>
+            <a:endParaRPr lang="en-US" dirty="0"/>
+          </a:p>
+        </p:txBody>
+      </p:sp>
+      <p:pic>
+        <p:nvPicPr>
+          <p:cNvPr id="1026" name="Picture 2" descr="enter image description here"/>
+          <p:cNvPicPr>
+            <a:picLocks noChangeAspect="1" noChangeArrowheads="1"/>
+          </p:cNvPicPr>
+          <p:nvPr/>
+        </p:nvPicPr>
+        <p:blipFill>
+          <a:blip r:embed="rId2">
+            <a:extLst>
+              <a:ext uri="{28A0092B-C50C-407E-A947-70E740481C1C}">
+                <a14:useLocalDpi xmlns:a14="http://schemas.microsoft.com/office/drawing/2010/main" val="0"/>
+              </a:ext>
+            </a:extLst>
+          </a:blip>
+          <a:srcRect/>
+          <a:stretch>
+            <a:fillRect/>
+          </a:stretch>
+        </p:blipFill>
+        <p:spPr bwMode="auto">
+          <a:xfrm>
+            <a:off x="1252855" y="125412"/>
+            <a:ext cx="4635881" cy="1971676"/>
+          </a:xfrm>
+          <a:prstGeom prst="rect">
+            <a:avLst/>
+          </a:prstGeom>
+          <a:noFill/>
+          <a:extLst>
+            <a:ext uri="{909E8E84-426E-40DD-AFC4-6F175D3DCCD1}">
+              <a14:hiddenFill xmlns:a14="http://schemas.microsoft.com/office/drawing/2010/main">
+                <a:solidFill>
+                  <a:srgbClr val="FFFFFF"/>
+                </a:solidFill>
+              </a14:hiddenFill>
+            </a:ext>
+          </a:extLst>
+        </p:spPr>
+      </p:pic>
+    </p:spTree>
+    <p:extLst>
+      <p:ext uri="{BB962C8B-B14F-4D97-AF65-F5344CB8AC3E}">
+        <p14:creationId xmlns:p14="http://schemas.microsoft.com/office/powerpoint/2010/main" val="3868028814"/>
+      </p:ext>
+    </p:extLst>
+  </p:cSld>
+  <p:clrMapOvr>
+    <a:masterClrMapping/>
+  </p:clrMapOvr>
+</p:sld>
+</file>
+
 <file path=ppt/theme/theme1.xml><?xml version="1.0" encoding="utf-8"?>
 <a:theme xmlns:a="http://schemas.openxmlformats.org/drawingml/2006/main" name="Circuit">
   <a:themeElements>

--- a/ppt/Spark.pptx
+++ b/ppt/Spark.pptx
@@ -8,6 +8,9 @@
     <p:sldId id="256" r:id="rId2"/>
     <p:sldId id="257" r:id="rId3"/>
     <p:sldId id="258" r:id="rId4"/>
+    <p:sldId id="259" r:id="rId5"/>
+    <p:sldId id="260" r:id="rId6"/>
+    <p:sldId id="261" r:id="rId7"/>
   </p:sldIdLst>
   <p:sldSz cx="12192000" cy="6858000"/>
   <p:notesSz cx="6858000" cy="9144000"/>
@@ -164,7 +167,7 @@
           <a:noFill/>
           <a:extLst>
             <a:ext uri="{909E8E84-426E-40dd-AFC4-6F175D3DCCD1}">
-              <a14:hiddenFill xmlns="" xmlns:a14="http://schemas.microsoft.com/office/drawing/2010/main">
+              <a14:hiddenFill xmlns:a14="http://schemas.microsoft.com/office/drawing/2010/main" xmlns="">
                 <a:solidFill>
                   <a:srgbClr val="FFFFFF"/>
                 </a:solidFill>
@@ -224,7 +227,7 @@
             </a:ln>
             <a:extLst>
               <a:ext uri="{91240B29-F687-4f45-9708-019B960494DF}">
-                <a14:hiddenLine xmlns="" xmlns:a14="http://schemas.microsoft.com/office/drawing/2010/main" w="9525">
+                <a14:hiddenLine xmlns:a14="http://schemas.microsoft.com/office/drawing/2010/main" xmlns="" w="9525">
                   <a:solidFill>
                     <a:srgbClr val="000000"/>
                   </a:solidFill>
@@ -314,7 +317,7 @@
             </a:ln>
             <a:extLst>
               <a:ext uri="{91240B29-F687-4f45-9708-019B960494DF}">
-                <a14:hiddenLine xmlns="" xmlns:a14="http://schemas.microsoft.com/office/drawing/2010/main" w="9525">
+                <a14:hiddenLine xmlns:a14="http://schemas.microsoft.com/office/drawing/2010/main" xmlns="" w="9525">
                   <a:solidFill>
                     <a:srgbClr val="000000"/>
                   </a:solidFill>
@@ -404,7 +407,7 @@
             </a:ln>
             <a:extLst>
               <a:ext uri="{91240B29-F687-4f45-9708-019B960494DF}">
-                <a14:hiddenLine xmlns="" xmlns:a14="http://schemas.microsoft.com/office/drawing/2010/main" w="9525">
+                <a14:hiddenLine xmlns:a14="http://schemas.microsoft.com/office/drawing/2010/main" xmlns="" w="9525">
                   <a:solidFill>
                     <a:srgbClr val="000000"/>
                   </a:solidFill>
@@ -438,7 +441,7 @@
             </a:ln>
             <a:extLst>
               <a:ext uri="{91240B29-F687-4f45-9708-019B960494DF}">
-                <a14:hiddenLine xmlns="" xmlns:a14="http://schemas.microsoft.com/office/drawing/2010/main" w="9525">
+                <a14:hiddenLine xmlns:a14="http://schemas.microsoft.com/office/drawing/2010/main" xmlns="" w="9525">
                   <a:solidFill>
                     <a:srgbClr val="000000"/>
                   </a:solidFill>
@@ -528,7 +531,7 @@
             </a:ln>
             <a:extLst>
               <a:ext uri="{91240B29-F687-4f45-9708-019B960494DF}">
-                <a14:hiddenLine xmlns="" xmlns:a14="http://schemas.microsoft.com/office/drawing/2010/main" w="9525">
+                <a14:hiddenLine xmlns:a14="http://schemas.microsoft.com/office/drawing/2010/main" xmlns="" w="9525">
                   <a:solidFill>
                     <a:srgbClr val="000000"/>
                   </a:solidFill>
@@ -590,7 +593,7 @@
             </a:ln>
             <a:extLst>
               <a:ext uri="{91240B29-F687-4f45-9708-019B960494DF}">
-                <a14:hiddenLine xmlns="" xmlns:a14="http://schemas.microsoft.com/office/drawing/2010/main" w="9525">
+                <a14:hiddenLine xmlns:a14="http://schemas.microsoft.com/office/drawing/2010/main" xmlns="" w="9525">
                   <a:solidFill>
                     <a:srgbClr val="000000"/>
                   </a:solidFill>
@@ -652,7 +655,7 @@
             </a:ln>
             <a:extLst>
               <a:ext uri="{91240B29-F687-4f45-9708-019B960494DF}">
-                <a14:hiddenLine xmlns="" xmlns:a14="http://schemas.microsoft.com/office/drawing/2010/main" w="9525">
+                <a14:hiddenLine xmlns:a14="http://schemas.microsoft.com/office/drawing/2010/main" xmlns="" w="9525">
                   <a:solidFill>
                     <a:srgbClr val="000000"/>
                   </a:solidFill>
@@ -742,7 +745,7 @@
             </a:ln>
             <a:extLst>
               <a:ext uri="{91240B29-F687-4f45-9708-019B960494DF}">
-                <a14:hiddenLine xmlns="" xmlns:a14="http://schemas.microsoft.com/office/drawing/2010/main" w="9525">
+                <a14:hiddenLine xmlns:a14="http://schemas.microsoft.com/office/drawing/2010/main" xmlns="" w="9525">
                   <a:solidFill>
                     <a:srgbClr val="000000"/>
                   </a:solidFill>
@@ -804,7 +807,7 @@
             </a:ln>
             <a:extLst>
               <a:ext uri="{91240B29-F687-4f45-9708-019B960494DF}">
-                <a14:hiddenLine xmlns="" xmlns:a14="http://schemas.microsoft.com/office/drawing/2010/main" w="9525">
+                <a14:hiddenLine xmlns:a14="http://schemas.microsoft.com/office/drawing/2010/main" xmlns="" w="9525">
                   <a:solidFill>
                     <a:srgbClr val="000000"/>
                   </a:solidFill>
@@ -866,7 +869,7 @@
             </a:ln>
             <a:extLst>
               <a:ext uri="{91240B29-F687-4f45-9708-019B960494DF}">
-                <a14:hiddenLine xmlns="" xmlns:a14="http://schemas.microsoft.com/office/drawing/2010/main" w="9525">
+                <a14:hiddenLine xmlns:a14="http://schemas.microsoft.com/office/drawing/2010/main" xmlns="" w="9525">
                   <a:solidFill>
                     <a:srgbClr val="000000"/>
                   </a:solidFill>
@@ -956,7 +959,7 @@
             </a:ln>
             <a:extLst>
               <a:ext uri="{91240B29-F687-4f45-9708-019B960494DF}">
-                <a14:hiddenLine xmlns="" xmlns:a14="http://schemas.microsoft.com/office/drawing/2010/main" w="9525">
+                <a14:hiddenLine xmlns:a14="http://schemas.microsoft.com/office/drawing/2010/main" xmlns="" w="9525">
                   <a:solidFill>
                     <a:srgbClr val="000000"/>
                   </a:solidFill>
@@ -1046,7 +1049,7 @@
             </a:ln>
             <a:extLst>
               <a:ext uri="{91240B29-F687-4f45-9708-019B960494DF}">
-                <a14:hiddenLine xmlns="" xmlns:a14="http://schemas.microsoft.com/office/drawing/2010/main" w="9525">
+                <a14:hiddenLine xmlns:a14="http://schemas.microsoft.com/office/drawing/2010/main" xmlns="" w="9525">
                   <a:solidFill>
                     <a:srgbClr val="000000"/>
                   </a:solidFill>
@@ -1108,7 +1111,7 @@
             </a:ln>
             <a:extLst>
               <a:ext uri="{91240B29-F687-4f45-9708-019B960494DF}">
-                <a14:hiddenLine xmlns="" xmlns:a14="http://schemas.microsoft.com/office/drawing/2010/main" w="9525">
+                <a14:hiddenLine xmlns:a14="http://schemas.microsoft.com/office/drawing/2010/main" xmlns="" w="9525">
                   <a:solidFill>
                     <a:srgbClr val="000000"/>
                   </a:solidFill>
@@ -1218,7 +1221,7 @@
             </a:ln>
             <a:extLst>
               <a:ext uri="{91240B29-F687-4f45-9708-019B960494DF}">
-                <a14:hiddenLine xmlns="" xmlns:a14="http://schemas.microsoft.com/office/drawing/2010/main" w="9525">
+                <a14:hiddenLine xmlns:a14="http://schemas.microsoft.com/office/drawing/2010/main" xmlns="" w="9525">
                   <a:solidFill>
                     <a:srgbClr val="000000"/>
                   </a:solidFill>
@@ -1280,7 +1283,7 @@
             </a:ln>
             <a:extLst>
               <a:ext uri="{91240B29-F687-4f45-9708-019B960494DF}">
-                <a14:hiddenLine xmlns="" xmlns:a14="http://schemas.microsoft.com/office/drawing/2010/main" w="9525">
+                <a14:hiddenLine xmlns:a14="http://schemas.microsoft.com/office/drawing/2010/main" xmlns="" w="9525">
                   <a:solidFill>
                     <a:srgbClr val="000000"/>
                   </a:solidFill>
@@ -1370,7 +1373,7 @@
             </a:ln>
             <a:extLst>
               <a:ext uri="{91240B29-F687-4f45-9708-019B960494DF}">
-                <a14:hiddenLine xmlns="" xmlns:a14="http://schemas.microsoft.com/office/drawing/2010/main" w="9525">
+                <a14:hiddenLine xmlns:a14="http://schemas.microsoft.com/office/drawing/2010/main" xmlns="" w="9525">
                   <a:solidFill>
                     <a:srgbClr val="000000"/>
                   </a:solidFill>
@@ -1460,7 +1463,7 @@
             </a:ln>
             <a:extLst>
               <a:ext uri="{91240B29-F687-4f45-9708-019B960494DF}">
-                <a14:hiddenLine xmlns="" xmlns:a14="http://schemas.microsoft.com/office/drawing/2010/main" w="9525">
+                <a14:hiddenLine xmlns:a14="http://schemas.microsoft.com/office/drawing/2010/main" xmlns="" w="9525">
                   <a:solidFill>
                     <a:srgbClr val="000000"/>
                   </a:solidFill>
@@ -1522,7 +1525,7 @@
             </a:ln>
             <a:extLst>
               <a:ext uri="{91240B29-F687-4f45-9708-019B960494DF}">
-                <a14:hiddenLine xmlns="" xmlns:a14="http://schemas.microsoft.com/office/drawing/2010/main" w="9525">
+                <a14:hiddenLine xmlns:a14="http://schemas.microsoft.com/office/drawing/2010/main" xmlns="" w="9525">
                   <a:solidFill>
                     <a:srgbClr val="000000"/>
                   </a:solidFill>
@@ -1612,7 +1615,7 @@
             </a:ln>
             <a:extLst>
               <a:ext uri="{91240B29-F687-4f45-9708-019B960494DF}">
-                <a14:hiddenLine xmlns="" xmlns:a14="http://schemas.microsoft.com/office/drawing/2010/main" w="9525">
+                <a14:hiddenLine xmlns:a14="http://schemas.microsoft.com/office/drawing/2010/main" xmlns="" w="9525">
                   <a:solidFill>
                     <a:srgbClr val="000000"/>
                   </a:solidFill>
@@ -1702,7 +1705,7 @@
             </a:ln>
             <a:extLst>
               <a:ext uri="{91240B29-F687-4f45-9708-019B960494DF}">
-                <a14:hiddenLine xmlns="" xmlns:a14="http://schemas.microsoft.com/office/drawing/2010/main" w="9525">
+                <a14:hiddenLine xmlns:a14="http://schemas.microsoft.com/office/drawing/2010/main" xmlns="" w="9525">
                   <a:solidFill>
                     <a:srgbClr val="000000"/>
                   </a:solidFill>
@@ -1758,7 +1761,7 @@
             </a:ln>
             <a:extLst>
               <a:ext uri="{91240B29-F687-4f45-9708-019B960494DF}">
-                <a14:hiddenLine xmlns="" xmlns:a14="http://schemas.microsoft.com/office/drawing/2010/main" w="9525">
+                <a14:hiddenLine xmlns:a14="http://schemas.microsoft.com/office/drawing/2010/main" xmlns="" w="9525">
                   <a:solidFill>
                     <a:srgbClr val="000000"/>
                   </a:solidFill>
@@ -1848,7 +1851,7 @@
             </a:ln>
             <a:extLst>
               <a:ext uri="{91240B29-F687-4f45-9708-019B960494DF}">
-                <a14:hiddenLine xmlns="" xmlns:a14="http://schemas.microsoft.com/office/drawing/2010/main" w="9525">
+                <a14:hiddenLine xmlns:a14="http://schemas.microsoft.com/office/drawing/2010/main" xmlns="" w="9525">
                   <a:solidFill>
                     <a:srgbClr val="000000"/>
                   </a:solidFill>
@@ -1904,7 +1907,7 @@
             </a:ln>
             <a:extLst>
               <a:ext uri="{91240B29-F687-4f45-9708-019B960494DF}">
-                <a14:hiddenLine xmlns="" xmlns:a14="http://schemas.microsoft.com/office/drawing/2010/main" w="9525">
+                <a14:hiddenLine xmlns:a14="http://schemas.microsoft.com/office/drawing/2010/main" xmlns="" w="9525">
                   <a:solidFill>
                     <a:srgbClr val="000000"/>
                   </a:solidFill>
@@ -1994,7 +1997,7 @@
             </a:ln>
             <a:extLst>
               <a:ext uri="{91240B29-F687-4f45-9708-019B960494DF}">
-                <a14:hiddenLine xmlns="" xmlns:a14="http://schemas.microsoft.com/office/drawing/2010/main" w="9525">
+                <a14:hiddenLine xmlns:a14="http://schemas.microsoft.com/office/drawing/2010/main" xmlns="" w="9525">
                   <a:solidFill>
                     <a:srgbClr val="000000"/>
                   </a:solidFill>
@@ -2062,7 +2065,7 @@
             </a:ln>
             <a:extLst>
               <a:ext uri="{91240B29-F687-4f45-9708-019B960494DF}">
-                <a14:hiddenLine xmlns="" xmlns:a14="http://schemas.microsoft.com/office/drawing/2010/main" w="9525">
+                <a14:hiddenLine xmlns:a14="http://schemas.microsoft.com/office/drawing/2010/main" xmlns="" w="9525">
                   <a:solidFill>
                     <a:srgbClr val="000000"/>
                   </a:solidFill>
@@ -2152,7 +2155,7 @@
             </a:ln>
             <a:extLst>
               <a:ext uri="{91240B29-F687-4f45-9708-019B960494DF}">
-                <a14:hiddenLine xmlns="" xmlns:a14="http://schemas.microsoft.com/office/drawing/2010/main" w="9525">
+                <a14:hiddenLine xmlns:a14="http://schemas.microsoft.com/office/drawing/2010/main" xmlns="" w="9525">
                   <a:solidFill>
                     <a:srgbClr val="000000"/>
                   </a:solidFill>
@@ -2220,7 +2223,7 @@
             </a:ln>
             <a:extLst>
               <a:ext uri="{91240B29-F687-4f45-9708-019B960494DF}">
-                <a14:hiddenLine xmlns="" xmlns:a14="http://schemas.microsoft.com/office/drawing/2010/main" w="9525">
+                <a14:hiddenLine xmlns:a14="http://schemas.microsoft.com/office/drawing/2010/main" xmlns="" w="9525">
                   <a:solidFill>
                     <a:srgbClr val="000000"/>
                   </a:solidFill>
@@ -2310,7 +2313,7 @@
             </a:ln>
             <a:extLst>
               <a:ext uri="{91240B29-F687-4f45-9708-019B960494DF}">
-                <a14:hiddenLine xmlns="" xmlns:a14="http://schemas.microsoft.com/office/drawing/2010/main" w="9525">
+                <a14:hiddenLine xmlns:a14="http://schemas.microsoft.com/office/drawing/2010/main" xmlns="" w="9525">
                   <a:solidFill>
                     <a:srgbClr val="000000"/>
                   </a:solidFill>
@@ -2344,7 +2347,7 @@
             </a:ln>
             <a:extLst>
               <a:ext uri="{91240B29-F687-4f45-9708-019B960494DF}">
-                <a14:hiddenLine xmlns="" xmlns:a14="http://schemas.microsoft.com/office/drawing/2010/main" w="9525">
+                <a14:hiddenLine xmlns:a14="http://schemas.microsoft.com/office/drawing/2010/main" xmlns="" w="9525">
                   <a:solidFill>
                     <a:srgbClr val="000000"/>
                   </a:solidFill>
@@ -2434,7 +2437,7 @@
             </a:ln>
             <a:extLst>
               <a:ext uri="{91240B29-F687-4f45-9708-019B960494DF}">
-                <a14:hiddenLine xmlns="" xmlns:a14="http://schemas.microsoft.com/office/drawing/2010/main" w="9525">
+                <a14:hiddenLine xmlns:a14="http://schemas.microsoft.com/office/drawing/2010/main" xmlns="" w="9525">
                   <a:solidFill>
                     <a:srgbClr val="000000"/>
                   </a:solidFill>
@@ -2496,7 +2499,7 @@
             </a:ln>
             <a:extLst>
               <a:ext uri="{91240B29-F687-4f45-9708-019B960494DF}">
-                <a14:hiddenLine xmlns="" xmlns:a14="http://schemas.microsoft.com/office/drawing/2010/main" w="9525">
+                <a14:hiddenLine xmlns:a14="http://schemas.microsoft.com/office/drawing/2010/main" xmlns="" w="9525">
                   <a:solidFill>
                     <a:srgbClr val="000000"/>
                   </a:solidFill>
@@ -2558,7 +2561,7 @@
             </a:ln>
             <a:extLst>
               <a:ext uri="{91240B29-F687-4f45-9708-019B960494DF}">
-                <a14:hiddenLine xmlns="" xmlns:a14="http://schemas.microsoft.com/office/drawing/2010/main" w="9525">
+                <a14:hiddenLine xmlns:a14="http://schemas.microsoft.com/office/drawing/2010/main" xmlns="" w="9525">
                   <a:solidFill>
                     <a:srgbClr val="000000"/>
                   </a:solidFill>
@@ -2648,7 +2651,7 @@
             </a:ln>
             <a:extLst>
               <a:ext uri="{91240B29-F687-4f45-9708-019B960494DF}">
-                <a14:hiddenLine xmlns="" xmlns:a14="http://schemas.microsoft.com/office/drawing/2010/main" w="9525">
+                <a14:hiddenLine xmlns:a14="http://schemas.microsoft.com/office/drawing/2010/main" xmlns="" w="9525">
                   <a:solidFill>
                     <a:srgbClr val="000000"/>
                   </a:solidFill>
@@ -2716,7 +2719,7 @@
             </a:ln>
             <a:extLst>
               <a:ext uri="{91240B29-F687-4f45-9708-019B960494DF}">
-                <a14:hiddenLine xmlns="" xmlns:a14="http://schemas.microsoft.com/office/drawing/2010/main" w="9525">
+                <a14:hiddenLine xmlns:a14="http://schemas.microsoft.com/office/drawing/2010/main" xmlns="" w="9525">
                   <a:solidFill>
                     <a:srgbClr val="000000"/>
                   </a:solidFill>
@@ -2778,7 +2781,7 @@
             </a:ln>
             <a:extLst>
               <a:ext uri="{91240B29-F687-4f45-9708-019B960494DF}">
-                <a14:hiddenLine xmlns="" xmlns:a14="http://schemas.microsoft.com/office/drawing/2010/main" w="9525">
+                <a14:hiddenLine xmlns:a14="http://schemas.microsoft.com/office/drawing/2010/main" xmlns="" w="9525">
                   <a:solidFill>
                     <a:srgbClr val="000000"/>
                   </a:solidFill>
@@ -2868,7 +2871,7 @@
             </a:ln>
             <a:extLst>
               <a:ext uri="{91240B29-F687-4f45-9708-019B960494DF}">
-                <a14:hiddenLine xmlns="" xmlns:a14="http://schemas.microsoft.com/office/drawing/2010/main" w="9525">
+                <a14:hiddenLine xmlns:a14="http://schemas.microsoft.com/office/drawing/2010/main" xmlns="" w="9525">
                   <a:solidFill>
                     <a:srgbClr val="000000"/>
                   </a:solidFill>
@@ -2930,7 +2933,7 @@
             </a:ln>
             <a:extLst>
               <a:ext uri="{91240B29-F687-4f45-9708-019B960494DF}">
-                <a14:hiddenLine xmlns="" xmlns:a14="http://schemas.microsoft.com/office/drawing/2010/main" w="9525">
+                <a14:hiddenLine xmlns:a14="http://schemas.microsoft.com/office/drawing/2010/main" xmlns="" w="9525">
                   <a:solidFill>
                     <a:srgbClr val="000000"/>
                   </a:solidFill>
@@ -3020,7 +3023,7 @@
             </a:ln>
             <a:extLst>
               <a:ext uri="{91240B29-F687-4f45-9708-019B960494DF}">
-                <a14:hiddenLine xmlns="" xmlns:a14="http://schemas.microsoft.com/office/drawing/2010/main" w="9525">
+                <a14:hiddenLine xmlns:a14="http://schemas.microsoft.com/office/drawing/2010/main" xmlns="" w="9525">
                   <a:solidFill>
                     <a:srgbClr val="000000"/>
                   </a:solidFill>
@@ -3082,7 +3085,7 @@
             </a:ln>
             <a:extLst>
               <a:ext uri="{91240B29-F687-4f45-9708-019B960494DF}">
-                <a14:hiddenLine xmlns="" xmlns:a14="http://schemas.microsoft.com/office/drawing/2010/main" w="9525">
+                <a14:hiddenLine xmlns:a14="http://schemas.microsoft.com/office/drawing/2010/main" xmlns="" w="9525">
                   <a:solidFill>
                     <a:srgbClr val="000000"/>
                   </a:solidFill>
@@ -3172,7 +3175,7 @@
             </a:ln>
             <a:extLst>
               <a:ext uri="{91240B29-F687-4f45-9708-019B960494DF}">
-                <a14:hiddenLine xmlns="" xmlns:a14="http://schemas.microsoft.com/office/drawing/2010/main" w="9525">
+                <a14:hiddenLine xmlns:a14="http://schemas.microsoft.com/office/drawing/2010/main" xmlns="" w="9525">
                   <a:solidFill>
                     <a:srgbClr val="000000"/>
                   </a:solidFill>
@@ -3206,7 +3209,7 @@
             </a:ln>
             <a:extLst>
               <a:ext uri="{91240B29-F687-4f45-9708-019B960494DF}">
-                <a14:hiddenLine xmlns="" xmlns:a14="http://schemas.microsoft.com/office/drawing/2010/main" w="9525">
+                <a14:hiddenLine xmlns:a14="http://schemas.microsoft.com/office/drawing/2010/main" xmlns="" w="9525">
                   <a:solidFill>
                     <a:srgbClr val="000000"/>
                   </a:solidFill>
@@ -3271,7 +3274,7 @@
             </a:ln>
             <a:extLst>
               <a:ext uri="{91240B29-F687-4f45-9708-019B960494DF}">
-                <a14:hiddenLine xmlns="" xmlns:a14="http://schemas.microsoft.com/office/drawing/2010/main" w="9525">
+                <a14:hiddenLine xmlns:a14="http://schemas.microsoft.com/office/drawing/2010/main" xmlns="" w="9525">
                   <a:solidFill>
                     <a:srgbClr val="000000"/>
                   </a:solidFill>
@@ -3361,7 +3364,7 @@
             </a:ln>
             <a:extLst>
               <a:ext uri="{91240B29-F687-4f45-9708-019B960494DF}">
-                <a14:hiddenLine xmlns="" xmlns:a14="http://schemas.microsoft.com/office/drawing/2010/main" w="9525">
+                <a14:hiddenLine xmlns:a14="http://schemas.microsoft.com/office/drawing/2010/main" xmlns="" w="9525">
                   <a:solidFill>
                     <a:srgbClr val="000000"/>
                   </a:solidFill>
@@ -3423,7 +3426,7 @@
             </a:ln>
             <a:extLst>
               <a:ext uri="{91240B29-F687-4f45-9708-019B960494DF}">
-                <a14:hiddenLine xmlns="" xmlns:a14="http://schemas.microsoft.com/office/drawing/2010/main" w="9525">
+                <a14:hiddenLine xmlns:a14="http://schemas.microsoft.com/office/drawing/2010/main" xmlns="" w="9525">
                   <a:solidFill>
                     <a:srgbClr val="000000"/>
                   </a:solidFill>
@@ -3513,7 +3516,7 @@
             </a:ln>
             <a:extLst>
               <a:ext uri="{91240B29-F687-4f45-9708-019B960494DF}">
-                <a14:hiddenLine xmlns="" xmlns:a14="http://schemas.microsoft.com/office/drawing/2010/main" w="9525">
+                <a14:hiddenLine xmlns:a14="http://schemas.microsoft.com/office/drawing/2010/main" xmlns="" w="9525">
                   <a:solidFill>
                     <a:srgbClr val="000000"/>
                   </a:solidFill>
@@ -3603,7 +3606,7 @@
             </a:ln>
             <a:extLst>
               <a:ext uri="{91240B29-F687-4f45-9708-019B960494DF}">
-                <a14:hiddenLine xmlns="" xmlns:a14="http://schemas.microsoft.com/office/drawing/2010/main" w="9525">
+                <a14:hiddenLine xmlns:a14="http://schemas.microsoft.com/office/drawing/2010/main" xmlns="" w="9525">
                   <a:solidFill>
                     <a:srgbClr val="000000"/>
                   </a:solidFill>
@@ -3668,7 +3671,7 @@
             </a:ln>
             <a:extLst>
               <a:ext uri="{91240B29-F687-4f45-9708-019B960494DF}">
-                <a14:hiddenLine xmlns="" xmlns:a14="http://schemas.microsoft.com/office/drawing/2010/main" w="9525">
+                <a14:hiddenLine xmlns:a14="http://schemas.microsoft.com/office/drawing/2010/main" xmlns="" w="9525">
                   <a:solidFill>
                     <a:srgbClr val="000000"/>
                   </a:solidFill>
@@ -3730,7 +3733,7 @@
             </a:ln>
             <a:extLst>
               <a:ext uri="{91240B29-F687-4f45-9708-019B960494DF}">
-                <a14:hiddenLine xmlns="" xmlns:a14="http://schemas.microsoft.com/office/drawing/2010/main" w="9525">
+                <a14:hiddenLine xmlns:a14="http://schemas.microsoft.com/office/drawing/2010/main" xmlns="" w="9525">
                   <a:solidFill>
                     <a:srgbClr val="000000"/>
                   </a:solidFill>
@@ -3820,7 +3823,7 @@
             </a:ln>
             <a:extLst>
               <a:ext uri="{91240B29-F687-4f45-9708-019B960494DF}">
-                <a14:hiddenLine xmlns="" xmlns:a14="http://schemas.microsoft.com/office/drawing/2010/main" w="9525">
+                <a14:hiddenLine xmlns:a14="http://schemas.microsoft.com/office/drawing/2010/main" xmlns="" w="9525">
                   <a:solidFill>
                     <a:srgbClr val="000000"/>
                   </a:solidFill>
@@ -3910,7 +3913,7 @@
             </a:ln>
             <a:extLst>
               <a:ext uri="{91240B29-F687-4f45-9708-019B960494DF}">
-                <a14:hiddenLine xmlns="" xmlns:a14="http://schemas.microsoft.com/office/drawing/2010/main" w="9525">
+                <a14:hiddenLine xmlns:a14="http://schemas.microsoft.com/office/drawing/2010/main" xmlns="" w="9525">
                   <a:solidFill>
                     <a:srgbClr val="000000"/>
                   </a:solidFill>
@@ -3972,7 +3975,7 @@
             </a:ln>
             <a:extLst>
               <a:ext uri="{91240B29-F687-4f45-9708-019B960494DF}">
-                <a14:hiddenLine xmlns="" xmlns:a14="http://schemas.microsoft.com/office/drawing/2010/main" w="9525">
+                <a14:hiddenLine xmlns:a14="http://schemas.microsoft.com/office/drawing/2010/main" xmlns="" w="9525">
                   <a:solidFill>
                     <a:srgbClr val="000000"/>
                   </a:solidFill>
@@ -4092,7 +4095,7 @@
             </a:ln>
             <a:extLst>
               <a:ext uri="{91240B29-F687-4f45-9708-019B960494DF}">
-                <a14:hiddenLine xmlns="" xmlns:a14="http://schemas.microsoft.com/office/drawing/2010/main" w="9525">
+                <a14:hiddenLine xmlns:a14="http://schemas.microsoft.com/office/drawing/2010/main" xmlns="" w="9525">
                   <a:solidFill>
                     <a:srgbClr val="000000"/>
                   </a:solidFill>
@@ -4160,7 +4163,7 @@
             </a:ln>
             <a:extLst>
               <a:ext uri="{91240B29-F687-4f45-9708-019B960494DF}">
-                <a14:hiddenLine xmlns="" xmlns:a14="http://schemas.microsoft.com/office/drawing/2010/main" w="9525">
+                <a14:hiddenLine xmlns:a14="http://schemas.microsoft.com/office/drawing/2010/main" xmlns="" w="9525">
                   <a:solidFill>
                     <a:srgbClr val="000000"/>
                   </a:solidFill>
@@ -4250,7 +4253,7 @@
             </a:ln>
             <a:extLst>
               <a:ext uri="{91240B29-F687-4f45-9708-019B960494DF}">
-                <a14:hiddenLine xmlns="" xmlns:a14="http://schemas.microsoft.com/office/drawing/2010/main" w="9525">
+                <a14:hiddenLine xmlns:a14="http://schemas.microsoft.com/office/drawing/2010/main" xmlns="" w="9525">
                   <a:solidFill>
                     <a:srgbClr val="000000"/>
                   </a:solidFill>
@@ -4390,7 +4393,7 @@
           <a:p>
             <a:fld id="{48A87A34-81AB-432B-8DAE-1953F412C126}" type="datetimeFigureOut">
               <a:rPr lang="en-US" dirty="0"/>
-              <a:t>3/8/2017</a:t>
+              <a:t>3/23/2017</a:t>
             </a:fld>
             <a:endParaRPr lang="en-US" dirty="0"/>
           </a:p>
@@ -4652,7 +4655,7 @@
           <a:p>
             <a:fld id="{48A87A34-81AB-432B-8DAE-1953F412C126}" type="datetimeFigureOut">
               <a:rPr lang="en-US" dirty="0"/>
-              <a:t>3/8/2017</a:t>
+              <a:t>3/23/2017</a:t>
             </a:fld>
             <a:endParaRPr lang="en-US" dirty="0"/>
           </a:p>
@@ -4843,7 +4846,7 @@
           <a:p>
             <a:fld id="{48A87A34-81AB-432B-8DAE-1953F412C126}" type="datetimeFigureOut">
               <a:rPr lang="en-US" dirty="0"/>
-              <a:t>3/8/2017</a:t>
+              <a:t>3/23/2017</a:t>
             </a:fld>
             <a:endParaRPr lang="en-US" dirty="0"/>
           </a:p>
@@ -5101,7 +5104,7 @@
           <a:p>
             <a:fld id="{48A87A34-81AB-432B-8DAE-1953F412C126}" type="datetimeFigureOut">
               <a:rPr lang="en-US" dirty="0"/>
-              <a:t>3/8/2017</a:t>
+              <a:t>3/23/2017</a:t>
             </a:fld>
             <a:endParaRPr lang="en-US" dirty="0"/>
           </a:p>
@@ -5530,7 +5533,7 @@
           <a:p>
             <a:fld id="{48A87A34-81AB-432B-8DAE-1953F412C126}" type="datetimeFigureOut">
               <a:rPr lang="en-US" dirty="0"/>
-              <a:t>3/8/2017</a:t>
+              <a:t>3/23/2017</a:t>
             </a:fld>
             <a:endParaRPr lang="en-US" dirty="0"/>
           </a:p>
@@ -6071,7 +6074,7 @@
           <a:p>
             <a:fld id="{48A87A34-81AB-432B-8DAE-1953F412C126}" type="datetimeFigureOut">
               <a:rPr lang="en-US" dirty="0"/>
-              <a:t>3/8/2017</a:t>
+              <a:t>3/23/2017</a:t>
             </a:fld>
             <a:endParaRPr lang="en-US" dirty="0"/>
           </a:p>
@@ -6786,7 +6789,7 @@
           <a:p>
             <a:fld id="{48A87A34-81AB-432B-8DAE-1953F412C126}" type="datetimeFigureOut">
               <a:rPr lang="en-US" dirty="0"/>
-              <a:t>3/8/2017</a:t>
+              <a:t>3/23/2017</a:t>
             </a:fld>
             <a:endParaRPr lang="en-US" dirty="0"/>
           </a:p>
@@ -6951,7 +6954,7 @@
           <a:p>
             <a:fld id="{48A87A34-81AB-432B-8DAE-1953F412C126}" type="datetimeFigureOut">
               <a:rPr lang="en-US" dirty="0"/>
-              <a:t>3/8/2017</a:t>
+              <a:t>3/23/2017</a:t>
             </a:fld>
             <a:endParaRPr lang="en-US" dirty="0"/>
           </a:p>
@@ -7126,7 +7129,7 @@
           <a:p>
             <a:fld id="{48A87A34-81AB-432B-8DAE-1953F412C126}" type="datetimeFigureOut">
               <a:rPr lang="en-US" dirty="0"/>
-              <a:t>3/8/2017</a:t>
+              <a:t>3/23/2017</a:t>
             </a:fld>
             <a:endParaRPr lang="en-US" dirty="0"/>
           </a:p>
@@ -7291,7 +7294,7 @@
           <a:p>
             <a:fld id="{48A87A34-81AB-432B-8DAE-1953F412C126}" type="datetimeFigureOut">
               <a:rPr lang="en-US" dirty="0"/>
-              <a:t>3/8/2017</a:t>
+              <a:t>3/23/2017</a:t>
             </a:fld>
             <a:endParaRPr lang="en-US" dirty="0"/>
           </a:p>
@@ -7536,7 +7539,7 @@
           <a:p>
             <a:fld id="{48A87A34-81AB-432B-8DAE-1953F412C126}" type="datetimeFigureOut">
               <a:rPr lang="en-US" dirty="0"/>
-              <a:t>3/8/2017</a:t>
+              <a:t>3/23/2017</a:t>
             </a:fld>
             <a:endParaRPr lang="en-US" dirty="0"/>
           </a:p>
@@ -7763,7 +7766,7 @@
           <a:p>
             <a:fld id="{48A87A34-81AB-432B-8DAE-1953F412C126}" type="datetimeFigureOut">
               <a:rPr lang="en-US" dirty="0"/>
-              <a:t>3/8/2017</a:t>
+              <a:t>3/23/2017</a:t>
             </a:fld>
             <a:endParaRPr lang="en-US" dirty="0"/>
           </a:p>
@@ -8139,7 +8142,7 @@
           <a:p>
             <a:fld id="{48A87A34-81AB-432B-8DAE-1953F412C126}" type="datetimeFigureOut">
               <a:rPr lang="en-US" dirty="0"/>
-              <a:t>3/8/2017</a:t>
+              <a:t>3/23/2017</a:t>
             </a:fld>
             <a:endParaRPr lang="en-US" dirty="0"/>
           </a:p>
@@ -8252,7 +8255,7 @@
           <a:p>
             <a:fld id="{48A87A34-81AB-432B-8DAE-1953F412C126}" type="datetimeFigureOut">
               <a:rPr lang="en-US" dirty="0"/>
-              <a:t>3/8/2017</a:t>
+              <a:t>3/23/2017</a:t>
             </a:fld>
             <a:endParaRPr lang="en-US" dirty="0"/>
           </a:p>
@@ -8342,7 +8345,7 @@
           <a:p>
             <a:fld id="{48A87A34-81AB-432B-8DAE-1953F412C126}" type="datetimeFigureOut">
               <a:rPr lang="en-US" dirty="0"/>
-              <a:t>3/8/2017</a:t>
+              <a:t>3/23/2017</a:t>
             </a:fld>
             <a:endParaRPr lang="en-US" dirty="0"/>
           </a:p>
@@ -8586,7 +8589,7 @@
           <a:p>
             <a:fld id="{48A87A34-81AB-432B-8DAE-1953F412C126}" type="datetimeFigureOut">
               <a:rPr lang="en-US" dirty="0"/>
-              <a:t>3/8/2017</a:t>
+              <a:t>3/23/2017</a:t>
             </a:fld>
             <a:endParaRPr lang="en-US" dirty="0"/>
           </a:p>
@@ -8861,7 +8864,7 @@
           <a:p>
             <a:fld id="{48A87A34-81AB-432B-8DAE-1953F412C126}" type="datetimeFigureOut">
               <a:rPr lang="en-US" dirty="0"/>
-              <a:t>3/8/2017</a:t>
+              <a:t>3/23/2017</a:t>
             </a:fld>
             <a:endParaRPr lang="en-US" dirty="0"/>
           </a:p>
@@ -8972,7 +8975,7 @@
           <a:noFill/>
           <a:extLst>
             <a:ext uri="{909E8E84-426E-40dd-AFC4-6F175D3DCCD1}">
-              <a14:hiddenFill xmlns="" xmlns:a14="http://schemas.microsoft.com/office/drawing/2010/main">
+              <a14:hiddenFill xmlns:a14="http://schemas.microsoft.com/office/drawing/2010/main" xmlns="">
                 <a:solidFill>
                   <a:srgbClr val="FFFFFF"/>
                 </a:solidFill>
@@ -9046,7 +9049,7 @@
               </a:ln>
               <a:extLst>
                 <a:ext uri="{91240B29-F687-4f45-9708-019B960494DF}">
-                  <a14:hiddenLine xmlns="" xmlns:a14="http://schemas.microsoft.com/office/drawing/2010/main" w="9525">
+                  <a14:hiddenLine xmlns:a14="http://schemas.microsoft.com/office/drawing/2010/main" xmlns="" w="9525">
                     <a:solidFill>
                       <a:srgbClr val="000000"/>
                     </a:solidFill>
@@ -9136,7 +9139,7 @@
               </a:ln>
               <a:extLst>
                 <a:ext uri="{91240B29-F687-4f45-9708-019B960494DF}">
-                  <a14:hiddenLine xmlns="" xmlns:a14="http://schemas.microsoft.com/office/drawing/2010/main" w="9525">
+                  <a14:hiddenLine xmlns:a14="http://schemas.microsoft.com/office/drawing/2010/main" xmlns="" w="9525">
                     <a:solidFill>
                       <a:srgbClr val="000000"/>
                     </a:solidFill>
@@ -9226,7 +9229,7 @@
               </a:ln>
               <a:extLst>
                 <a:ext uri="{91240B29-F687-4f45-9708-019B960494DF}">
-                  <a14:hiddenLine xmlns="" xmlns:a14="http://schemas.microsoft.com/office/drawing/2010/main" w="9525">
+                  <a14:hiddenLine xmlns:a14="http://schemas.microsoft.com/office/drawing/2010/main" xmlns="" w="9525">
                     <a:solidFill>
                       <a:srgbClr val="000000"/>
                     </a:solidFill>
@@ -9288,7 +9291,7 @@
               </a:ln>
               <a:extLst>
                 <a:ext uri="{91240B29-F687-4f45-9708-019B960494DF}">
-                  <a14:hiddenLine xmlns="" xmlns:a14="http://schemas.microsoft.com/office/drawing/2010/main" w="9525">
+                  <a14:hiddenLine xmlns:a14="http://schemas.microsoft.com/office/drawing/2010/main" xmlns="" w="9525">
                     <a:solidFill>
                       <a:srgbClr val="000000"/>
                     </a:solidFill>
@@ -9378,7 +9381,7 @@
               </a:ln>
               <a:extLst>
                 <a:ext uri="{91240B29-F687-4f45-9708-019B960494DF}">
-                  <a14:hiddenLine xmlns="" xmlns:a14="http://schemas.microsoft.com/office/drawing/2010/main" w="9525">
+                  <a14:hiddenLine xmlns:a14="http://schemas.microsoft.com/office/drawing/2010/main" xmlns="" w="9525">
                     <a:solidFill>
                       <a:srgbClr val="000000"/>
                     </a:solidFill>
@@ -9440,7 +9443,7 @@
               </a:ln>
               <a:extLst>
                 <a:ext uri="{91240B29-F687-4f45-9708-019B960494DF}">
-                  <a14:hiddenLine xmlns="" xmlns:a14="http://schemas.microsoft.com/office/drawing/2010/main" w="9525">
+                  <a14:hiddenLine xmlns:a14="http://schemas.microsoft.com/office/drawing/2010/main" xmlns="" w="9525">
                     <a:solidFill>
                       <a:srgbClr val="000000"/>
                     </a:solidFill>
@@ -9502,7 +9505,7 @@
               </a:ln>
               <a:extLst>
                 <a:ext uri="{91240B29-F687-4f45-9708-019B960494DF}">
-                  <a14:hiddenLine xmlns="" xmlns:a14="http://schemas.microsoft.com/office/drawing/2010/main" w="9525">
+                  <a14:hiddenLine xmlns:a14="http://schemas.microsoft.com/office/drawing/2010/main" xmlns="" w="9525">
                     <a:solidFill>
                       <a:srgbClr val="000000"/>
                     </a:solidFill>
@@ -9592,7 +9595,7 @@
               </a:ln>
               <a:extLst>
                 <a:ext uri="{91240B29-F687-4f45-9708-019B960494DF}">
-                  <a14:hiddenLine xmlns="" xmlns:a14="http://schemas.microsoft.com/office/drawing/2010/main" w="9525">
+                  <a14:hiddenLine xmlns:a14="http://schemas.microsoft.com/office/drawing/2010/main" xmlns="" w="9525">
                     <a:solidFill>
                       <a:srgbClr val="000000"/>
                     </a:solidFill>
@@ -9682,7 +9685,7 @@
               </a:ln>
               <a:extLst>
                 <a:ext uri="{91240B29-F687-4f45-9708-019B960494DF}">
-                  <a14:hiddenLine xmlns="" xmlns:a14="http://schemas.microsoft.com/office/drawing/2010/main" w="9525">
+                  <a14:hiddenLine xmlns:a14="http://schemas.microsoft.com/office/drawing/2010/main" xmlns="" w="9525">
                     <a:solidFill>
                       <a:srgbClr val="000000"/>
                     </a:solidFill>
@@ -9744,7 +9747,7 @@
               </a:ln>
               <a:extLst>
                 <a:ext uri="{91240B29-F687-4f45-9708-019B960494DF}">
-                  <a14:hiddenLine xmlns="" xmlns:a14="http://schemas.microsoft.com/office/drawing/2010/main" w="9525">
+                  <a14:hiddenLine xmlns:a14="http://schemas.microsoft.com/office/drawing/2010/main" xmlns="" w="9525">
                     <a:solidFill>
                       <a:srgbClr val="000000"/>
                     </a:solidFill>
@@ -9854,7 +9857,7 @@
               </a:ln>
               <a:extLst>
                 <a:ext uri="{91240B29-F687-4f45-9708-019B960494DF}">
-                  <a14:hiddenLine xmlns="" xmlns:a14="http://schemas.microsoft.com/office/drawing/2010/main" w="9525">
+                  <a14:hiddenLine xmlns:a14="http://schemas.microsoft.com/office/drawing/2010/main" xmlns="" w="9525">
                     <a:solidFill>
                       <a:srgbClr val="000000"/>
                     </a:solidFill>
@@ -9938,7 +9941,7 @@
               </a:ln>
               <a:extLst>
                 <a:ext uri="{91240B29-F687-4f45-9708-019B960494DF}">
-                  <a14:hiddenLine xmlns="" xmlns:a14="http://schemas.microsoft.com/office/drawing/2010/main" w="9525">
+                  <a14:hiddenLine xmlns:a14="http://schemas.microsoft.com/office/drawing/2010/main" xmlns="" w="9525">
                     <a:solidFill>
                       <a:srgbClr val="000000"/>
                     </a:solidFill>
@@ -10000,7 +10003,7 @@
               </a:ln>
               <a:extLst>
                 <a:ext uri="{91240B29-F687-4f45-9708-019B960494DF}">
-                  <a14:hiddenLine xmlns="" xmlns:a14="http://schemas.microsoft.com/office/drawing/2010/main" w="9525">
+                  <a14:hiddenLine xmlns:a14="http://schemas.microsoft.com/office/drawing/2010/main" xmlns="" w="9525">
                     <a:solidFill>
                       <a:srgbClr val="000000"/>
                     </a:solidFill>
@@ -10062,7 +10065,7 @@
               </a:ln>
               <a:extLst>
                 <a:ext uri="{91240B29-F687-4f45-9708-019B960494DF}">
-                  <a14:hiddenLine xmlns="" xmlns:a14="http://schemas.microsoft.com/office/drawing/2010/main" w="9525">
+                  <a14:hiddenLine xmlns:a14="http://schemas.microsoft.com/office/drawing/2010/main" xmlns="" w="9525">
                     <a:solidFill>
                       <a:srgbClr val="000000"/>
                     </a:solidFill>
@@ -10152,7 +10155,7 @@
               </a:ln>
               <a:extLst>
                 <a:ext uri="{91240B29-F687-4f45-9708-019B960494DF}">
-                  <a14:hiddenLine xmlns="" xmlns:a14="http://schemas.microsoft.com/office/drawing/2010/main" w="9525">
+                  <a14:hiddenLine xmlns:a14="http://schemas.microsoft.com/office/drawing/2010/main" xmlns="" w="9525">
                     <a:solidFill>
                       <a:srgbClr val="000000"/>
                     </a:solidFill>
@@ -10186,7 +10189,7 @@
               </a:ln>
               <a:extLst>
                 <a:ext uri="{91240B29-F687-4f45-9708-019B960494DF}">
-                  <a14:hiddenLine xmlns="" xmlns:a14="http://schemas.microsoft.com/office/drawing/2010/main" w="9525">
+                  <a14:hiddenLine xmlns:a14="http://schemas.microsoft.com/office/drawing/2010/main" xmlns="" w="9525">
                     <a:solidFill>
                       <a:srgbClr val="000000"/>
                     </a:solidFill>
@@ -10251,7 +10254,7 @@
               </a:ln>
               <a:extLst>
                 <a:ext uri="{91240B29-F687-4f45-9708-019B960494DF}">
-                  <a14:hiddenLine xmlns="" xmlns:a14="http://schemas.microsoft.com/office/drawing/2010/main" w="9525">
+                  <a14:hiddenLine xmlns:a14="http://schemas.microsoft.com/office/drawing/2010/main" xmlns="" w="9525">
                     <a:solidFill>
                       <a:srgbClr val="000000"/>
                     </a:solidFill>
@@ -10341,7 +10344,7 @@
               </a:ln>
               <a:extLst>
                 <a:ext uri="{91240B29-F687-4f45-9708-019B960494DF}">
-                  <a14:hiddenLine xmlns="" xmlns:a14="http://schemas.microsoft.com/office/drawing/2010/main" w="9525">
+                  <a14:hiddenLine xmlns:a14="http://schemas.microsoft.com/office/drawing/2010/main" xmlns="" w="9525">
                     <a:solidFill>
                       <a:srgbClr val="000000"/>
                     </a:solidFill>
@@ -10403,7 +10406,7 @@
               </a:ln>
               <a:extLst>
                 <a:ext uri="{91240B29-F687-4f45-9708-019B960494DF}">
-                  <a14:hiddenLine xmlns="" xmlns:a14="http://schemas.microsoft.com/office/drawing/2010/main" w="9525">
+                  <a14:hiddenLine xmlns:a14="http://schemas.microsoft.com/office/drawing/2010/main" xmlns="" w="9525">
                     <a:solidFill>
                       <a:srgbClr val="000000"/>
                     </a:solidFill>
@@ -10493,7 +10496,7 @@
               </a:ln>
               <a:extLst>
                 <a:ext uri="{91240B29-F687-4f45-9708-019B960494DF}">
-                  <a14:hiddenLine xmlns="" xmlns:a14="http://schemas.microsoft.com/office/drawing/2010/main" w="9525">
+                  <a14:hiddenLine xmlns:a14="http://schemas.microsoft.com/office/drawing/2010/main" xmlns="" w="9525">
                     <a:solidFill>
                       <a:srgbClr val="000000"/>
                     </a:solidFill>
@@ -10558,7 +10561,7 @@
               </a:ln>
               <a:extLst>
                 <a:ext uri="{91240B29-F687-4f45-9708-019B960494DF}">
-                  <a14:hiddenLine xmlns="" xmlns:a14="http://schemas.microsoft.com/office/drawing/2010/main" w="9525">
+                  <a14:hiddenLine xmlns:a14="http://schemas.microsoft.com/office/drawing/2010/main" xmlns="" w="9525">
                     <a:solidFill>
                       <a:srgbClr val="000000"/>
                     </a:solidFill>
@@ -10620,7 +10623,7 @@
               </a:ln>
               <a:extLst>
                 <a:ext uri="{91240B29-F687-4f45-9708-019B960494DF}">
-                  <a14:hiddenLine xmlns="" xmlns:a14="http://schemas.microsoft.com/office/drawing/2010/main" w="9525">
+                  <a14:hiddenLine xmlns:a14="http://schemas.microsoft.com/office/drawing/2010/main" xmlns="" w="9525">
                     <a:solidFill>
                       <a:srgbClr val="000000"/>
                     </a:solidFill>
@@ -10710,7 +10713,7 @@
               </a:ln>
               <a:extLst>
                 <a:ext uri="{91240B29-F687-4f45-9708-019B960494DF}">
-                  <a14:hiddenLine xmlns="" xmlns:a14="http://schemas.microsoft.com/office/drawing/2010/main" w="9525">
+                  <a14:hiddenLine xmlns:a14="http://schemas.microsoft.com/office/drawing/2010/main" xmlns="" w="9525">
                     <a:solidFill>
                       <a:srgbClr val="000000"/>
                     </a:solidFill>
@@ -10800,7 +10803,7 @@
               </a:ln>
               <a:extLst>
                 <a:ext uri="{91240B29-F687-4f45-9708-019B960494DF}">
-                  <a14:hiddenLine xmlns="" xmlns:a14="http://schemas.microsoft.com/office/drawing/2010/main" w="9525">
+                  <a14:hiddenLine xmlns:a14="http://schemas.microsoft.com/office/drawing/2010/main" xmlns="" w="9525">
                     <a:solidFill>
                       <a:srgbClr val="000000"/>
                     </a:solidFill>
@@ -10865,7 +10868,7 @@
               </a:ln>
               <a:extLst>
                 <a:ext uri="{91240B29-F687-4f45-9708-019B960494DF}">
-                  <a14:hiddenLine xmlns="" xmlns:a14="http://schemas.microsoft.com/office/drawing/2010/main" w="9525">
+                  <a14:hiddenLine xmlns:a14="http://schemas.microsoft.com/office/drawing/2010/main" xmlns="" w="9525">
                     <a:solidFill>
                       <a:srgbClr val="000000"/>
                     </a:solidFill>
@@ -10985,7 +10988,7 @@
               </a:ln>
               <a:extLst>
                 <a:ext uri="{91240B29-F687-4f45-9708-019B960494DF}">
-                  <a14:hiddenLine xmlns="" xmlns:a14="http://schemas.microsoft.com/office/drawing/2010/main" w="9525">
+                  <a14:hiddenLine xmlns:a14="http://schemas.microsoft.com/office/drawing/2010/main" xmlns="" w="9525">
                     <a:solidFill>
                       <a:srgbClr val="000000"/>
                     </a:solidFill>
@@ -11083,7 +11086,7 @@
               </a:ln>
               <a:extLst>
                 <a:ext uri="{91240B29-F687-4f45-9708-019B960494DF}">
-                  <a14:hiddenLine xmlns="" xmlns:a14="http://schemas.microsoft.com/office/drawing/2010/main" w="9525">
+                  <a14:hiddenLine xmlns:a14="http://schemas.microsoft.com/office/drawing/2010/main" xmlns="" w="9525">
                     <a:solidFill>
                       <a:srgbClr val="000000"/>
                     </a:solidFill>
@@ -11198,7 +11201,7 @@
               </a:ln>
               <a:extLst>
                 <a:ext uri="{91240B29-F687-4f45-9708-019B960494DF}">
-                  <a14:hiddenLine xmlns="" xmlns:a14="http://schemas.microsoft.com/office/drawing/2010/main" w="9525">
+                  <a14:hiddenLine xmlns:a14="http://schemas.microsoft.com/office/drawing/2010/main" xmlns="" w="9525">
                     <a:solidFill>
                       <a:srgbClr val="000000"/>
                     </a:solidFill>
@@ -11288,7 +11291,7 @@
               </a:ln>
               <a:extLst>
                 <a:ext uri="{91240B29-F687-4f45-9708-019B960494DF}">
-                  <a14:hiddenLine xmlns="" xmlns:a14="http://schemas.microsoft.com/office/drawing/2010/main" w="9525">
+                  <a14:hiddenLine xmlns:a14="http://schemas.microsoft.com/office/drawing/2010/main" xmlns="" w="9525">
                     <a:solidFill>
                       <a:srgbClr val="000000"/>
                     </a:solidFill>
@@ -11353,7 +11356,7 @@
               </a:ln>
               <a:extLst>
                 <a:ext uri="{91240B29-F687-4f45-9708-019B960494DF}">
-                  <a14:hiddenLine xmlns="" xmlns:a14="http://schemas.microsoft.com/office/drawing/2010/main" w="9525">
+                  <a14:hiddenLine xmlns:a14="http://schemas.microsoft.com/office/drawing/2010/main" xmlns="" w="9525">
                     <a:solidFill>
                       <a:srgbClr val="000000"/>
                     </a:solidFill>
@@ -11443,7 +11446,7 @@
               </a:ln>
               <a:extLst>
                 <a:ext uri="{91240B29-F687-4f45-9708-019B960494DF}">
-                  <a14:hiddenLine xmlns="" xmlns:a14="http://schemas.microsoft.com/office/drawing/2010/main" w="9525">
+                  <a14:hiddenLine xmlns:a14="http://schemas.microsoft.com/office/drawing/2010/main" xmlns="" w="9525">
                     <a:solidFill>
                       <a:srgbClr val="000000"/>
                     </a:solidFill>
@@ -11511,7 +11514,7 @@
               </a:ln>
               <a:extLst>
                 <a:ext uri="{91240B29-F687-4f45-9708-019B960494DF}">
-                  <a14:hiddenLine xmlns="" xmlns:a14="http://schemas.microsoft.com/office/drawing/2010/main" w="9525">
+                  <a14:hiddenLine xmlns:a14="http://schemas.microsoft.com/office/drawing/2010/main" xmlns="" w="9525">
                     <a:solidFill>
                       <a:srgbClr val="000000"/>
                     </a:solidFill>
@@ -11601,7 +11604,7 @@
               </a:ln>
               <a:extLst>
                 <a:ext uri="{91240B29-F687-4f45-9708-019B960494DF}">
-                  <a14:hiddenLine xmlns="" xmlns:a14="http://schemas.microsoft.com/office/drawing/2010/main" w="9525">
+                  <a14:hiddenLine xmlns:a14="http://schemas.microsoft.com/office/drawing/2010/main" xmlns="" w="9525">
                     <a:solidFill>
                       <a:srgbClr val="000000"/>
                     </a:solidFill>
@@ -11669,7 +11672,7 @@
               </a:ln>
               <a:extLst>
                 <a:ext uri="{91240B29-F687-4f45-9708-019B960494DF}">
-                  <a14:hiddenLine xmlns="" xmlns:a14="http://schemas.microsoft.com/office/drawing/2010/main" w="9525">
+                  <a14:hiddenLine xmlns:a14="http://schemas.microsoft.com/office/drawing/2010/main" xmlns="" w="9525">
                     <a:solidFill>
                       <a:srgbClr val="000000"/>
                     </a:solidFill>
@@ -11759,7 +11762,7 @@
               </a:ln>
               <a:extLst>
                 <a:ext uri="{91240B29-F687-4f45-9708-019B960494DF}">
-                  <a14:hiddenLine xmlns="" xmlns:a14="http://schemas.microsoft.com/office/drawing/2010/main" w="9525">
+                  <a14:hiddenLine xmlns:a14="http://schemas.microsoft.com/office/drawing/2010/main" xmlns="" w="9525">
                     <a:solidFill>
                       <a:srgbClr val="000000"/>
                     </a:solidFill>
@@ -11793,7 +11796,7 @@
               </a:ln>
               <a:extLst>
                 <a:ext uri="{91240B29-F687-4f45-9708-019B960494DF}">
-                  <a14:hiddenLine xmlns="" xmlns:a14="http://schemas.microsoft.com/office/drawing/2010/main" w="9525">
+                  <a14:hiddenLine xmlns:a14="http://schemas.microsoft.com/office/drawing/2010/main" xmlns="" w="9525">
                     <a:solidFill>
                       <a:srgbClr val="000000"/>
                     </a:solidFill>
@@ -11934,7 +11937,7 @@
             <a:fld id="{48A87A34-81AB-432B-8DAE-1953F412C126}" type="datetimeFigureOut">
               <a:rPr lang="en-US" dirty="0"/>
               <a:pPr/>
-              <a:t>3/8/2017</a:t>
+              <a:t>3/23/2017</a:t>
             </a:fld>
             <a:endParaRPr lang="en-US" dirty="0"/>
           </a:p>
@@ -12621,6 +12624,411 @@
 </p:sld>
 </file>
 
+<file path=ppt/slides/slide4.xml><?xml version="1.0" encoding="utf-8"?>
+<p:sld xmlns:a="http://schemas.openxmlformats.org/drawingml/2006/main" xmlns:r="http://schemas.openxmlformats.org/officeDocument/2006/relationships" xmlns:p="http://schemas.openxmlformats.org/presentationml/2006/main">
+  <p:cSld>
+    <p:spTree>
+      <p:nvGrpSpPr>
+        <p:cNvPr id="1" name=""/>
+        <p:cNvGrpSpPr/>
+        <p:nvPr/>
+      </p:nvGrpSpPr>
+      <p:grpSpPr>
+        <a:xfrm>
+          <a:off x="0" y="0"/>
+          <a:ext cx="0" cy="0"/>
+          <a:chOff x="0" y="0"/>
+          <a:chExt cx="0" cy="0"/>
+        </a:xfrm>
+      </p:grpSpPr>
+      <p:sp>
+        <p:nvSpPr>
+          <p:cNvPr id="2" name="Title 1"/>
+          <p:cNvSpPr>
+            <a:spLocks noGrp="1"/>
+          </p:cNvSpPr>
+          <p:nvPr>
+            <p:ph type="title"/>
+          </p:nvPr>
+        </p:nvSpPr>
+        <p:spPr/>
+        <p:txBody>
+          <a:bodyPr/>
+          <a:lstStyle/>
+          <a:p>
+            <a:endParaRPr lang="en-US"/>
+          </a:p>
+        </p:txBody>
+      </p:sp>
+      <p:sp>
+        <p:nvSpPr>
+          <p:cNvPr id="3" name="Content Placeholder 2"/>
+          <p:cNvSpPr>
+            <a:spLocks noGrp="1"/>
+          </p:cNvSpPr>
+          <p:nvPr>
+            <p:ph idx="1"/>
+          </p:nvPr>
+        </p:nvSpPr>
+        <p:spPr/>
+        <p:txBody>
+          <a:bodyPr/>
+          <a:lstStyle/>
+          <a:p>
+            <a:r>
+              <a:rPr lang="en-US" dirty="0" smtClean="0"/>
+              <a:t>If –master is yarn-cluster then check history on 8088</a:t>
+            </a:r>
+          </a:p>
+          <a:p>
+            <a:r>
+              <a:rPr lang="en-US" dirty="0" smtClean="0"/>
+              <a:t>If its local[n] then check on 18080</a:t>
+            </a:r>
+            <a:endParaRPr lang="en-US" dirty="0"/>
+          </a:p>
+        </p:txBody>
+      </p:sp>
+    </p:spTree>
+    <p:extLst>
+      <p:ext uri="{BB962C8B-B14F-4D97-AF65-F5344CB8AC3E}">
+        <p14:creationId xmlns:p14="http://schemas.microsoft.com/office/powerpoint/2010/main" val="4175394379"/>
+      </p:ext>
+    </p:extLst>
+  </p:cSld>
+  <p:clrMapOvr>
+    <a:masterClrMapping/>
+  </p:clrMapOvr>
+</p:sld>
+</file>
+
+<file path=ppt/slides/slide5.xml><?xml version="1.0" encoding="utf-8"?>
+<p:sld xmlns:a="http://schemas.openxmlformats.org/drawingml/2006/main" xmlns:r="http://schemas.openxmlformats.org/officeDocument/2006/relationships" xmlns:p="http://schemas.openxmlformats.org/presentationml/2006/main">
+  <p:cSld>
+    <p:spTree>
+      <p:nvGrpSpPr>
+        <p:cNvPr id="1" name=""/>
+        <p:cNvGrpSpPr/>
+        <p:nvPr/>
+      </p:nvGrpSpPr>
+      <p:grpSpPr>
+        <a:xfrm>
+          <a:off x="0" y="0"/>
+          <a:ext cx="0" cy="0"/>
+          <a:chOff x="0" y="0"/>
+          <a:chExt cx="0" cy="0"/>
+        </a:xfrm>
+      </p:grpSpPr>
+      <p:sp>
+        <p:nvSpPr>
+          <p:cNvPr id="2" name="Title 1"/>
+          <p:cNvSpPr>
+            <a:spLocks noGrp="1"/>
+          </p:cNvSpPr>
+          <p:nvPr>
+            <p:ph type="title"/>
+          </p:nvPr>
+        </p:nvSpPr>
+        <p:spPr/>
+        <p:txBody>
+          <a:bodyPr/>
+          <a:lstStyle/>
+          <a:p>
+            <a:r>
+              <a:rPr lang="en-US" dirty="0" smtClean="0"/>
+              <a:t>If </a:t>
+            </a:r>
+            <a:r>
+              <a:rPr lang="en-US" dirty="0" err="1" smtClean="0"/>
+              <a:t>ouput</a:t>
+            </a:r>
+            <a:r>
+              <a:rPr lang="en-US" dirty="0" smtClean="0"/>
+              <a:t> folder is already present then it will throw exception</a:t>
+            </a:r>
+            <a:endParaRPr lang="en-US" dirty="0"/>
+          </a:p>
+        </p:txBody>
+      </p:sp>
+      <p:sp>
+        <p:nvSpPr>
+          <p:cNvPr id="3" name="Content Placeholder 2"/>
+          <p:cNvSpPr>
+            <a:spLocks noGrp="1"/>
+          </p:cNvSpPr>
+          <p:nvPr>
+            <p:ph idx="1"/>
+          </p:nvPr>
+        </p:nvSpPr>
+        <p:spPr/>
+        <p:txBody>
+          <a:bodyPr/>
+          <a:lstStyle/>
+          <a:p>
+            <a:r>
+              <a:rPr lang="en-US" dirty="0" smtClean="0"/>
+              <a:t>Deployment </a:t>
+            </a:r>
+            <a:r>
+              <a:rPr lang="en-US" dirty="0"/>
+              <a:t>to YARN is not supported directly by </a:t>
+            </a:r>
+            <a:r>
+              <a:rPr lang="en-US" dirty="0" err="1"/>
+              <a:t>SparkContext</a:t>
+            </a:r>
+            <a:r>
+              <a:rPr lang="en-US" dirty="0"/>
+              <a:t>. Please use spark-submit</a:t>
+            </a:r>
+          </a:p>
+        </p:txBody>
+      </p:sp>
+    </p:spTree>
+    <p:extLst>
+      <p:ext uri="{BB962C8B-B14F-4D97-AF65-F5344CB8AC3E}">
+        <p14:creationId xmlns:p14="http://schemas.microsoft.com/office/powerpoint/2010/main" val="2601549597"/>
+      </p:ext>
+    </p:extLst>
+  </p:cSld>
+  <p:clrMapOvr>
+    <a:masterClrMapping/>
+  </p:clrMapOvr>
+</p:sld>
+</file>
+
+<file path=ppt/slides/slide6.xml><?xml version="1.0" encoding="utf-8"?>
+<p:sld xmlns:a="http://schemas.openxmlformats.org/drawingml/2006/main" xmlns:r="http://schemas.openxmlformats.org/officeDocument/2006/relationships" xmlns:p="http://schemas.openxmlformats.org/presentationml/2006/main">
+  <p:cSld>
+    <p:spTree>
+      <p:nvGrpSpPr>
+        <p:cNvPr id="1" name=""/>
+        <p:cNvGrpSpPr/>
+        <p:nvPr/>
+      </p:nvGrpSpPr>
+      <p:grpSpPr>
+        <a:xfrm>
+          <a:off x="0" y="0"/>
+          <a:ext cx="0" cy="0"/>
+          <a:chOff x="0" y="0"/>
+          <a:chExt cx="0" cy="0"/>
+        </a:xfrm>
+      </p:grpSpPr>
+      <p:sp>
+        <p:nvSpPr>
+          <p:cNvPr id="2" name="Title 1"/>
+          <p:cNvSpPr>
+            <a:spLocks noGrp="1"/>
+          </p:cNvSpPr>
+          <p:nvPr>
+            <p:ph type="title"/>
+          </p:nvPr>
+        </p:nvSpPr>
+        <p:spPr/>
+        <p:txBody>
+          <a:bodyPr/>
+          <a:lstStyle/>
+          <a:p>
+            <a:endParaRPr lang="en-US"/>
+          </a:p>
+        </p:txBody>
+      </p:sp>
+      <p:sp>
+        <p:nvSpPr>
+          <p:cNvPr id="3" name="Content Placeholder 2"/>
+          <p:cNvSpPr>
+            <a:spLocks noGrp="1"/>
+          </p:cNvSpPr>
+          <p:nvPr>
+            <p:ph idx="1"/>
+          </p:nvPr>
+        </p:nvSpPr>
+        <p:spPr/>
+        <p:txBody>
+          <a:bodyPr/>
+          <a:lstStyle/>
+          <a:p>
+            <a:endParaRPr lang="en-US"/>
+          </a:p>
+        </p:txBody>
+      </p:sp>
+      <p:sp>
+        <p:nvSpPr>
+          <p:cNvPr id="4" name="Rectangle 3"/>
+          <p:cNvSpPr/>
+          <p:nvPr/>
+        </p:nvSpPr>
+        <p:spPr>
+          <a:xfrm>
+            <a:off x="3048000" y="1582341"/>
+            <a:ext cx="6096000" cy="3693319"/>
+          </a:xfrm>
+          <a:prstGeom prst="rect">
+            <a:avLst/>
+          </a:prstGeom>
+        </p:spPr>
+        <p:txBody>
+          <a:bodyPr>
+            <a:spAutoFit/>
+          </a:bodyPr>
+          <a:lstStyle/>
+          <a:p>
+            <a:pPr>
+              <a:buFont typeface="Arial" panose="020B0604020202020204" pitchFamily="34" charset="0"/>
+              <a:buChar char="•"/>
+            </a:pPr>
+            <a:r>
+              <a:rPr lang="en-US" dirty="0">
+                <a:solidFill>
+                  <a:srgbClr val="242729"/>
+                </a:solidFill>
+                <a:latin typeface="Arial" panose="020B0604020202020204" pitchFamily="34" charset="0"/>
+              </a:rPr>
+              <a:t>Client mode</a:t>
+            </a:r>
+          </a:p>
+          <a:p>
+            <a:pPr marL="742950" lvl="1" indent="-285750">
+              <a:buFont typeface="Arial" panose="020B0604020202020204" pitchFamily="34" charset="0"/>
+              <a:buChar char="•"/>
+            </a:pPr>
+            <a:r>
+              <a:rPr lang="en-US" dirty="0">
+                <a:solidFill>
+                  <a:srgbClr val="242729"/>
+                </a:solidFill>
+                <a:latin typeface="Arial" panose="020B0604020202020204" pitchFamily="34" charset="0"/>
+              </a:rPr>
+              <a:t>Want to get a job result (dynamic analysis)</a:t>
+            </a:r>
+          </a:p>
+          <a:p>
+            <a:pPr marL="742950" lvl="1" indent="-285750">
+              <a:buFont typeface="Arial" panose="020B0604020202020204" pitchFamily="34" charset="0"/>
+              <a:buChar char="•"/>
+            </a:pPr>
+            <a:r>
+              <a:rPr lang="en-US" dirty="0">
+                <a:solidFill>
+                  <a:srgbClr val="242729"/>
+                </a:solidFill>
+                <a:latin typeface="Arial" panose="020B0604020202020204" pitchFamily="34" charset="0"/>
+              </a:rPr>
+              <a:t>Easier for developing/debugging</a:t>
+            </a:r>
+          </a:p>
+          <a:p>
+            <a:pPr marL="742950" lvl="1" indent="-285750">
+              <a:buFont typeface="Arial" panose="020B0604020202020204" pitchFamily="34" charset="0"/>
+              <a:buChar char="•"/>
+            </a:pPr>
+            <a:r>
+              <a:rPr lang="en-US" dirty="0">
+                <a:solidFill>
+                  <a:srgbClr val="242729"/>
+                </a:solidFill>
+                <a:latin typeface="Arial" panose="020B0604020202020204" pitchFamily="34" charset="0"/>
+              </a:rPr>
+              <a:t>Control where your Driver Program is running</a:t>
+            </a:r>
+          </a:p>
+          <a:p>
+            <a:pPr marL="742950" lvl="1" indent="-285750">
+              <a:buFont typeface="Arial" panose="020B0604020202020204" pitchFamily="34" charset="0"/>
+              <a:buChar char="•"/>
+            </a:pPr>
+            <a:r>
+              <a:rPr lang="en-US" dirty="0">
+                <a:solidFill>
+                  <a:srgbClr val="242729"/>
+                </a:solidFill>
+                <a:latin typeface="Arial" panose="020B0604020202020204" pitchFamily="34" charset="0"/>
+              </a:rPr>
+              <a:t>Always up application: expose your Spark job launcher as REST service or a Web UI</a:t>
+            </a:r>
+          </a:p>
+          <a:p>
+            <a:pPr>
+              <a:buFont typeface="Arial" panose="020B0604020202020204" pitchFamily="34" charset="0"/>
+              <a:buChar char="•"/>
+            </a:pPr>
+            <a:r>
+              <a:rPr lang="en-US" dirty="0">
+                <a:solidFill>
+                  <a:srgbClr val="242729"/>
+                </a:solidFill>
+                <a:latin typeface="Arial" panose="020B0604020202020204" pitchFamily="34" charset="0"/>
+              </a:rPr>
+              <a:t>Cluster mode</a:t>
+            </a:r>
+          </a:p>
+          <a:p>
+            <a:pPr marL="742950" lvl="1" indent="-285750">
+              <a:buFont typeface="Arial" panose="020B0604020202020204" pitchFamily="34" charset="0"/>
+              <a:buChar char="•"/>
+            </a:pPr>
+            <a:r>
+              <a:rPr lang="en-US" dirty="0">
+                <a:solidFill>
+                  <a:srgbClr val="242729"/>
+                </a:solidFill>
+                <a:latin typeface="Arial" panose="020B0604020202020204" pitchFamily="34" charset="0"/>
+              </a:rPr>
+              <a:t>Easier for resource allocation (let the master decide): Fire and forget</a:t>
+            </a:r>
+          </a:p>
+          <a:p>
+            <a:pPr marL="742950" lvl="1" indent="-285750">
+              <a:buFont typeface="Arial" panose="020B0604020202020204" pitchFamily="34" charset="0"/>
+              <a:buChar char="•"/>
+            </a:pPr>
+            <a:r>
+              <a:rPr lang="en-US" dirty="0">
+                <a:solidFill>
+                  <a:srgbClr val="242729"/>
+                </a:solidFill>
+                <a:latin typeface="Arial" panose="020B0604020202020204" pitchFamily="34" charset="0"/>
+              </a:rPr>
+              <a:t>Monitor your Driver Program from Master Web UI like other workers</a:t>
+            </a:r>
+          </a:p>
+          <a:p>
+            <a:pPr marL="742950" lvl="1" indent="-285750">
+              <a:buFont typeface="Arial" panose="020B0604020202020204" pitchFamily="34" charset="0"/>
+              <a:buChar char="•"/>
+            </a:pPr>
+            <a:r>
+              <a:rPr lang="en-US" dirty="0">
+                <a:solidFill>
+                  <a:srgbClr val="242729"/>
+                </a:solidFill>
+                <a:latin typeface="Arial" panose="020B0604020202020204" pitchFamily="34" charset="0"/>
+              </a:rPr>
+              <a:t>Stop at the end: one job is finished, allocated resources are freed</a:t>
+            </a:r>
+            <a:endParaRPr lang="en-US" b="0" i="0" dirty="0">
+              <a:solidFill>
+                <a:srgbClr val="242729"/>
+              </a:solidFill>
+              <a:effectLst/>
+              <a:latin typeface="Arial" panose="020B0604020202020204" pitchFamily="34" charset="0"/>
+            </a:endParaRPr>
+          </a:p>
+        </p:txBody>
+      </p:sp>
+    </p:spTree>
+    <p:extLst>
+      <p:ext uri="{BB962C8B-B14F-4D97-AF65-F5344CB8AC3E}">
+        <p14:creationId xmlns:p14="http://schemas.microsoft.com/office/powerpoint/2010/main" val="1652126795"/>
+      </p:ext>
+    </p:extLst>
+  </p:cSld>
+  <p:clrMapOvr>
+    <a:masterClrMapping/>
+  </p:clrMapOvr>
+</p:sld>
+</file>
+
 <file path=ppt/theme/theme1.xml><?xml version="1.0" encoding="utf-8"?>
 <a:theme xmlns:a="http://schemas.openxmlformats.org/drawingml/2006/main" name="Circuit">
   <a:themeElements>

--- a/ppt/Spark.pptx
+++ b/ppt/Spark.pptx
@@ -11,6 +11,7 @@
     <p:sldId id="259" r:id="rId5"/>
     <p:sldId id="260" r:id="rId6"/>
     <p:sldId id="261" r:id="rId7"/>
+    <p:sldId id="262" r:id="rId8"/>
   </p:sldIdLst>
   <p:sldSz cx="12192000" cy="6858000"/>
   <p:notesSz cx="6858000" cy="9144000"/>
@@ -167,7 +168,7 @@
           <a:noFill/>
           <a:extLst>
             <a:ext uri="{909E8E84-426E-40dd-AFC4-6F175D3DCCD1}">
-              <a14:hiddenFill xmlns:a14="http://schemas.microsoft.com/office/drawing/2010/main" xmlns="">
+              <a14:hiddenFill xmlns="" xmlns:a14="http://schemas.microsoft.com/office/drawing/2010/main">
                 <a:solidFill>
                   <a:srgbClr val="FFFFFF"/>
                 </a:solidFill>
@@ -227,7 +228,7 @@
             </a:ln>
             <a:extLst>
               <a:ext uri="{91240B29-F687-4f45-9708-019B960494DF}">
-                <a14:hiddenLine xmlns:a14="http://schemas.microsoft.com/office/drawing/2010/main" xmlns="" w="9525">
+                <a14:hiddenLine xmlns="" xmlns:a14="http://schemas.microsoft.com/office/drawing/2010/main" w="9525">
                   <a:solidFill>
                     <a:srgbClr val="000000"/>
                   </a:solidFill>
@@ -317,7 +318,7 @@
             </a:ln>
             <a:extLst>
               <a:ext uri="{91240B29-F687-4f45-9708-019B960494DF}">
-                <a14:hiddenLine xmlns:a14="http://schemas.microsoft.com/office/drawing/2010/main" xmlns="" w="9525">
+                <a14:hiddenLine xmlns="" xmlns:a14="http://schemas.microsoft.com/office/drawing/2010/main" w="9525">
                   <a:solidFill>
                     <a:srgbClr val="000000"/>
                   </a:solidFill>
@@ -407,7 +408,7 @@
             </a:ln>
             <a:extLst>
               <a:ext uri="{91240B29-F687-4f45-9708-019B960494DF}">
-                <a14:hiddenLine xmlns:a14="http://schemas.microsoft.com/office/drawing/2010/main" xmlns="" w="9525">
+                <a14:hiddenLine xmlns="" xmlns:a14="http://schemas.microsoft.com/office/drawing/2010/main" w="9525">
                   <a:solidFill>
                     <a:srgbClr val="000000"/>
                   </a:solidFill>
@@ -441,7 +442,7 @@
             </a:ln>
             <a:extLst>
               <a:ext uri="{91240B29-F687-4f45-9708-019B960494DF}">
-                <a14:hiddenLine xmlns:a14="http://schemas.microsoft.com/office/drawing/2010/main" xmlns="" w="9525">
+                <a14:hiddenLine xmlns="" xmlns:a14="http://schemas.microsoft.com/office/drawing/2010/main" w="9525">
                   <a:solidFill>
                     <a:srgbClr val="000000"/>
                   </a:solidFill>
@@ -531,7 +532,7 @@
             </a:ln>
             <a:extLst>
               <a:ext uri="{91240B29-F687-4f45-9708-019B960494DF}">
-                <a14:hiddenLine xmlns:a14="http://schemas.microsoft.com/office/drawing/2010/main" xmlns="" w="9525">
+                <a14:hiddenLine xmlns="" xmlns:a14="http://schemas.microsoft.com/office/drawing/2010/main" w="9525">
                   <a:solidFill>
                     <a:srgbClr val="000000"/>
                   </a:solidFill>
@@ -593,7 +594,7 @@
             </a:ln>
             <a:extLst>
               <a:ext uri="{91240B29-F687-4f45-9708-019B960494DF}">
-                <a14:hiddenLine xmlns:a14="http://schemas.microsoft.com/office/drawing/2010/main" xmlns="" w="9525">
+                <a14:hiddenLine xmlns="" xmlns:a14="http://schemas.microsoft.com/office/drawing/2010/main" w="9525">
                   <a:solidFill>
                     <a:srgbClr val="000000"/>
                   </a:solidFill>
@@ -655,7 +656,7 @@
             </a:ln>
             <a:extLst>
               <a:ext uri="{91240B29-F687-4f45-9708-019B960494DF}">
-                <a14:hiddenLine xmlns:a14="http://schemas.microsoft.com/office/drawing/2010/main" xmlns="" w="9525">
+                <a14:hiddenLine xmlns="" xmlns:a14="http://schemas.microsoft.com/office/drawing/2010/main" w="9525">
                   <a:solidFill>
                     <a:srgbClr val="000000"/>
                   </a:solidFill>
@@ -745,7 +746,7 @@
             </a:ln>
             <a:extLst>
               <a:ext uri="{91240B29-F687-4f45-9708-019B960494DF}">
-                <a14:hiddenLine xmlns:a14="http://schemas.microsoft.com/office/drawing/2010/main" xmlns="" w="9525">
+                <a14:hiddenLine xmlns="" xmlns:a14="http://schemas.microsoft.com/office/drawing/2010/main" w="9525">
                   <a:solidFill>
                     <a:srgbClr val="000000"/>
                   </a:solidFill>
@@ -807,7 +808,7 @@
             </a:ln>
             <a:extLst>
               <a:ext uri="{91240B29-F687-4f45-9708-019B960494DF}">
-                <a14:hiddenLine xmlns:a14="http://schemas.microsoft.com/office/drawing/2010/main" xmlns="" w="9525">
+                <a14:hiddenLine xmlns="" xmlns:a14="http://schemas.microsoft.com/office/drawing/2010/main" w="9525">
                   <a:solidFill>
                     <a:srgbClr val="000000"/>
                   </a:solidFill>
@@ -869,7 +870,7 @@
             </a:ln>
             <a:extLst>
               <a:ext uri="{91240B29-F687-4f45-9708-019B960494DF}">
-                <a14:hiddenLine xmlns:a14="http://schemas.microsoft.com/office/drawing/2010/main" xmlns="" w="9525">
+                <a14:hiddenLine xmlns="" xmlns:a14="http://schemas.microsoft.com/office/drawing/2010/main" w="9525">
                   <a:solidFill>
                     <a:srgbClr val="000000"/>
                   </a:solidFill>
@@ -959,7 +960,7 @@
             </a:ln>
             <a:extLst>
               <a:ext uri="{91240B29-F687-4f45-9708-019B960494DF}">
-                <a14:hiddenLine xmlns:a14="http://schemas.microsoft.com/office/drawing/2010/main" xmlns="" w="9525">
+                <a14:hiddenLine xmlns="" xmlns:a14="http://schemas.microsoft.com/office/drawing/2010/main" w="9525">
                   <a:solidFill>
                     <a:srgbClr val="000000"/>
                   </a:solidFill>
@@ -1049,7 +1050,7 @@
             </a:ln>
             <a:extLst>
               <a:ext uri="{91240B29-F687-4f45-9708-019B960494DF}">
-                <a14:hiddenLine xmlns:a14="http://schemas.microsoft.com/office/drawing/2010/main" xmlns="" w="9525">
+                <a14:hiddenLine xmlns="" xmlns:a14="http://schemas.microsoft.com/office/drawing/2010/main" w="9525">
                   <a:solidFill>
                     <a:srgbClr val="000000"/>
                   </a:solidFill>
@@ -1111,7 +1112,7 @@
             </a:ln>
             <a:extLst>
               <a:ext uri="{91240B29-F687-4f45-9708-019B960494DF}">
-                <a14:hiddenLine xmlns:a14="http://schemas.microsoft.com/office/drawing/2010/main" xmlns="" w="9525">
+                <a14:hiddenLine xmlns="" xmlns:a14="http://schemas.microsoft.com/office/drawing/2010/main" w="9525">
                   <a:solidFill>
                     <a:srgbClr val="000000"/>
                   </a:solidFill>
@@ -1221,7 +1222,7 @@
             </a:ln>
             <a:extLst>
               <a:ext uri="{91240B29-F687-4f45-9708-019B960494DF}">
-                <a14:hiddenLine xmlns:a14="http://schemas.microsoft.com/office/drawing/2010/main" xmlns="" w="9525">
+                <a14:hiddenLine xmlns="" xmlns:a14="http://schemas.microsoft.com/office/drawing/2010/main" w="9525">
                   <a:solidFill>
                     <a:srgbClr val="000000"/>
                   </a:solidFill>
@@ -1283,7 +1284,7 @@
             </a:ln>
             <a:extLst>
               <a:ext uri="{91240B29-F687-4f45-9708-019B960494DF}">
-                <a14:hiddenLine xmlns:a14="http://schemas.microsoft.com/office/drawing/2010/main" xmlns="" w="9525">
+                <a14:hiddenLine xmlns="" xmlns:a14="http://schemas.microsoft.com/office/drawing/2010/main" w="9525">
                   <a:solidFill>
                     <a:srgbClr val="000000"/>
                   </a:solidFill>
@@ -1373,7 +1374,7 @@
             </a:ln>
             <a:extLst>
               <a:ext uri="{91240B29-F687-4f45-9708-019B960494DF}">
-                <a14:hiddenLine xmlns:a14="http://schemas.microsoft.com/office/drawing/2010/main" xmlns="" w="9525">
+                <a14:hiddenLine xmlns="" xmlns:a14="http://schemas.microsoft.com/office/drawing/2010/main" w="9525">
                   <a:solidFill>
                     <a:srgbClr val="000000"/>
                   </a:solidFill>
@@ -1463,7 +1464,7 @@
             </a:ln>
             <a:extLst>
               <a:ext uri="{91240B29-F687-4f45-9708-019B960494DF}">
-                <a14:hiddenLine xmlns:a14="http://schemas.microsoft.com/office/drawing/2010/main" xmlns="" w="9525">
+                <a14:hiddenLine xmlns="" xmlns:a14="http://schemas.microsoft.com/office/drawing/2010/main" w="9525">
                   <a:solidFill>
                     <a:srgbClr val="000000"/>
                   </a:solidFill>
@@ -1525,7 +1526,7 @@
             </a:ln>
             <a:extLst>
               <a:ext uri="{91240B29-F687-4f45-9708-019B960494DF}">
-                <a14:hiddenLine xmlns:a14="http://schemas.microsoft.com/office/drawing/2010/main" xmlns="" w="9525">
+                <a14:hiddenLine xmlns="" xmlns:a14="http://schemas.microsoft.com/office/drawing/2010/main" w="9525">
                   <a:solidFill>
                     <a:srgbClr val="000000"/>
                   </a:solidFill>
@@ -1615,7 +1616,7 @@
             </a:ln>
             <a:extLst>
               <a:ext uri="{91240B29-F687-4f45-9708-019B960494DF}">
-                <a14:hiddenLine xmlns:a14="http://schemas.microsoft.com/office/drawing/2010/main" xmlns="" w="9525">
+                <a14:hiddenLine xmlns="" xmlns:a14="http://schemas.microsoft.com/office/drawing/2010/main" w="9525">
                   <a:solidFill>
                     <a:srgbClr val="000000"/>
                   </a:solidFill>
@@ -1705,7 +1706,7 @@
             </a:ln>
             <a:extLst>
               <a:ext uri="{91240B29-F687-4f45-9708-019B960494DF}">
-                <a14:hiddenLine xmlns:a14="http://schemas.microsoft.com/office/drawing/2010/main" xmlns="" w="9525">
+                <a14:hiddenLine xmlns="" xmlns:a14="http://schemas.microsoft.com/office/drawing/2010/main" w="9525">
                   <a:solidFill>
                     <a:srgbClr val="000000"/>
                   </a:solidFill>
@@ -1761,7 +1762,7 @@
             </a:ln>
             <a:extLst>
               <a:ext uri="{91240B29-F687-4f45-9708-019B960494DF}">
-                <a14:hiddenLine xmlns:a14="http://schemas.microsoft.com/office/drawing/2010/main" xmlns="" w="9525">
+                <a14:hiddenLine xmlns="" xmlns:a14="http://schemas.microsoft.com/office/drawing/2010/main" w="9525">
                   <a:solidFill>
                     <a:srgbClr val="000000"/>
                   </a:solidFill>
@@ -1851,7 +1852,7 @@
             </a:ln>
             <a:extLst>
               <a:ext uri="{91240B29-F687-4f45-9708-019B960494DF}">
-                <a14:hiddenLine xmlns:a14="http://schemas.microsoft.com/office/drawing/2010/main" xmlns="" w="9525">
+                <a14:hiddenLine xmlns="" xmlns:a14="http://schemas.microsoft.com/office/drawing/2010/main" w="9525">
                   <a:solidFill>
                     <a:srgbClr val="000000"/>
                   </a:solidFill>
@@ -1907,7 +1908,7 @@
             </a:ln>
             <a:extLst>
               <a:ext uri="{91240B29-F687-4f45-9708-019B960494DF}">
-                <a14:hiddenLine xmlns:a14="http://schemas.microsoft.com/office/drawing/2010/main" xmlns="" w="9525">
+                <a14:hiddenLine xmlns="" xmlns:a14="http://schemas.microsoft.com/office/drawing/2010/main" w="9525">
                   <a:solidFill>
                     <a:srgbClr val="000000"/>
                   </a:solidFill>
@@ -1997,7 +1998,7 @@
             </a:ln>
             <a:extLst>
               <a:ext uri="{91240B29-F687-4f45-9708-019B960494DF}">
-                <a14:hiddenLine xmlns:a14="http://schemas.microsoft.com/office/drawing/2010/main" xmlns="" w="9525">
+                <a14:hiddenLine xmlns="" xmlns:a14="http://schemas.microsoft.com/office/drawing/2010/main" w="9525">
                   <a:solidFill>
                     <a:srgbClr val="000000"/>
                   </a:solidFill>
@@ -2065,7 +2066,7 @@
             </a:ln>
             <a:extLst>
               <a:ext uri="{91240B29-F687-4f45-9708-019B960494DF}">
-                <a14:hiddenLine xmlns:a14="http://schemas.microsoft.com/office/drawing/2010/main" xmlns="" w="9525">
+                <a14:hiddenLine xmlns="" xmlns:a14="http://schemas.microsoft.com/office/drawing/2010/main" w="9525">
                   <a:solidFill>
                     <a:srgbClr val="000000"/>
                   </a:solidFill>
@@ -2155,7 +2156,7 @@
             </a:ln>
             <a:extLst>
               <a:ext uri="{91240B29-F687-4f45-9708-019B960494DF}">
-                <a14:hiddenLine xmlns:a14="http://schemas.microsoft.com/office/drawing/2010/main" xmlns="" w="9525">
+                <a14:hiddenLine xmlns="" xmlns:a14="http://schemas.microsoft.com/office/drawing/2010/main" w="9525">
                   <a:solidFill>
                     <a:srgbClr val="000000"/>
                   </a:solidFill>
@@ -2223,7 +2224,7 @@
             </a:ln>
             <a:extLst>
               <a:ext uri="{91240B29-F687-4f45-9708-019B960494DF}">
-                <a14:hiddenLine xmlns:a14="http://schemas.microsoft.com/office/drawing/2010/main" xmlns="" w="9525">
+                <a14:hiddenLine xmlns="" xmlns:a14="http://schemas.microsoft.com/office/drawing/2010/main" w="9525">
                   <a:solidFill>
                     <a:srgbClr val="000000"/>
                   </a:solidFill>
@@ -2313,7 +2314,7 @@
             </a:ln>
             <a:extLst>
               <a:ext uri="{91240B29-F687-4f45-9708-019B960494DF}">
-                <a14:hiddenLine xmlns:a14="http://schemas.microsoft.com/office/drawing/2010/main" xmlns="" w="9525">
+                <a14:hiddenLine xmlns="" xmlns:a14="http://schemas.microsoft.com/office/drawing/2010/main" w="9525">
                   <a:solidFill>
                     <a:srgbClr val="000000"/>
                   </a:solidFill>
@@ -2347,7 +2348,7 @@
             </a:ln>
             <a:extLst>
               <a:ext uri="{91240B29-F687-4f45-9708-019B960494DF}">
-                <a14:hiddenLine xmlns:a14="http://schemas.microsoft.com/office/drawing/2010/main" xmlns="" w="9525">
+                <a14:hiddenLine xmlns="" xmlns:a14="http://schemas.microsoft.com/office/drawing/2010/main" w="9525">
                   <a:solidFill>
                     <a:srgbClr val="000000"/>
                   </a:solidFill>
@@ -2437,7 +2438,7 @@
             </a:ln>
             <a:extLst>
               <a:ext uri="{91240B29-F687-4f45-9708-019B960494DF}">
-                <a14:hiddenLine xmlns:a14="http://schemas.microsoft.com/office/drawing/2010/main" xmlns="" w="9525">
+                <a14:hiddenLine xmlns="" xmlns:a14="http://schemas.microsoft.com/office/drawing/2010/main" w="9525">
                   <a:solidFill>
                     <a:srgbClr val="000000"/>
                   </a:solidFill>
@@ -2499,7 +2500,7 @@
             </a:ln>
             <a:extLst>
               <a:ext uri="{91240B29-F687-4f45-9708-019B960494DF}">
-                <a14:hiddenLine xmlns:a14="http://schemas.microsoft.com/office/drawing/2010/main" xmlns="" w="9525">
+                <a14:hiddenLine xmlns="" xmlns:a14="http://schemas.microsoft.com/office/drawing/2010/main" w="9525">
                   <a:solidFill>
                     <a:srgbClr val="000000"/>
                   </a:solidFill>
@@ -2561,7 +2562,7 @@
             </a:ln>
             <a:extLst>
               <a:ext uri="{91240B29-F687-4f45-9708-019B960494DF}">
-                <a14:hiddenLine xmlns:a14="http://schemas.microsoft.com/office/drawing/2010/main" xmlns="" w="9525">
+                <a14:hiddenLine xmlns="" xmlns:a14="http://schemas.microsoft.com/office/drawing/2010/main" w="9525">
                   <a:solidFill>
                     <a:srgbClr val="000000"/>
                   </a:solidFill>
@@ -2651,7 +2652,7 @@
             </a:ln>
             <a:extLst>
               <a:ext uri="{91240B29-F687-4f45-9708-019B960494DF}">
-                <a14:hiddenLine xmlns:a14="http://schemas.microsoft.com/office/drawing/2010/main" xmlns="" w="9525">
+                <a14:hiddenLine xmlns="" xmlns:a14="http://schemas.microsoft.com/office/drawing/2010/main" w="9525">
                   <a:solidFill>
                     <a:srgbClr val="000000"/>
                   </a:solidFill>
@@ -2719,7 +2720,7 @@
             </a:ln>
             <a:extLst>
               <a:ext uri="{91240B29-F687-4f45-9708-019B960494DF}">
-                <a14:hiddenLine xmlns:a14="http://schemas.microsoft.com/office/drawing/2010/main" xmlns="" w="9525">
+                <a14:hiddenLine xmlns="" xmlns:a14="http://schemas.microsoft.com/office/drawing/2010/main" w="9525">
                   <a:solidFill>
                     <a:srgbClr val="000000"/>
                   </a:solidFill>
@@ -2781,7 +2782,7 @@
             </a:ln>
             <a:extLst>
               <a:ext uri="{91240B29-F687-4f45-9708-019B960494DF}">
-                <a14:hiddenLine xmlns:a14="http://schemas.microsoft.com/office/drawing/2010/main" xmlns="" w="9525">
+                <a14:hiddenLine xmlns="" xmlns:a14="http://schemas.microsoft.com/office/drawing/2010/main" w="9525">
                   <a:solidFill>
                     <a:srgbClr val="000000"/>
                   </a:solidFill>
@@ -2871,7 +2872,7 @@
             </a:ln>
             <a:extLst>
               <a:ext uri="{91240B29-F687-4f45-9708-019B960494DF}">
-                <a14:hiddenLine xmlns:a14="http://schemas.microsoft.com/office/drawing/2010/main" xmlns="" w="9525">
+                <a14:hiddenLine xmlns="" xmlns:a14="http://schemas.microsoft.com/office/drawing/2010/main" w="9525">
                   <a:solidFill>
                     <a:srgbClr val="000000"/>
                   </a:solidFill>
@@ -2933,7 +2934,7 @@
             </a:ln>
             <a:extLst>
               <a:ext uri="{91240B29-F687-4f45-9708-019B960494DF}">
-                <a14:hiddenLine xmlns:a14="http://schemas.microsoft.com/office/drawing/2010/main" xmlns="" w="9525">
+                <a14:hiddenLine xmlns="" xmlns:a14="http://schemas.microsoft.com/office/drawing/2010/main" w="9525">
                   <a:solidFill>
                     <a:srgbClr val="000000"/>
                   </a:solidFill>
@@ -3023,7 +3024,7 @@
             </a:ln>
             <a:extLst>
               <a:ext uri="{91240B29-F687-4f45-9708-019B960494DF}">
-                <a14:hiddenLine xmlns:a14="http://schemas.microsoft.com/office/drawing/2010/main" xmlns="" w="9525">
+                <a14:hiddenLine xmlns="" xmlns:a14="http://schemas.microsoft.com/office/drawing/2010/main" w="9525">
                   <a:solidFill>
                     <a:srgbClr val="000000"/>
                   </a:solidFill>
@@ -3085,7 +3086,7 @@
             </a:ln>
             <a:extLst>
               <a:ext uri="{91240B29-F687-4f45-9708-019B960494DF}">
-                <a14:hiddenLine xmlns:a14="http://schemas.microsoft.com/office/drawing/2010/main" xmlns="" w="9525">
+                <a14:hiddenLine xmlns="" xmlns:a14="http://schemas.microsoft.com/office/drawing/2010/main" w="9525">
                   <a:solidFill>
                     <a:srgbClr val="000000"/>
                   </a:solidFill>
@@ -3175,7 +3176,7 @@
             </a:ln>
             <a:extLst>
               <a:ext uri="{91240B29-F687-4f45-9708-019B960494DF}">
-                <a14:hiddenLine xmlns:a14="http://schemas.microsoft.com/office/drawing/2010/main" xmlns="" w="9525">
+                <a14:hiddenLine xmlns="" xmlns:a14="http://schemas.microsoft.com/office/drawing/2010/main" w="9525">
                   <a:solidFill>
                     <a:srgbClr val="000000"/>
                   </a:solidFill>
@@ -3209,7 +3210,7 @@
             </a:ln>
             <a:extLst>
               <a:ext uri="{91240B29-F687-4f45-9708-019B960494DF}">
-                <a14:hiddenLine xmlns:a14="http://schemas.microsoft.com/office/drawing/2010/main" xmlns="" w="9525">
+                <a14:hiddenLine xmlns="" xmlns:a14="http://schemas.microsoft.com/office/drawing/2010/main" w="9525">
                   <a:solidFill>
                     <a:srgbClr val="000000"/>
                   </a:solidFill>
@@ -3274,7 +3275,7 @@
             </a:ln>
             <a:extLst>
               <a:ext uri="{91240B29-F687-4f45-9708-019B960494DF}">
-                <a14:hiddenLine xmlns:a14="http://schemas.microsoft.com/office/drawing/2010/main" xmlns="" w="9525">
+                <a14:hiddenLine xmlns="" xmlns:a14="http://schemas.microsoft.com/office/drawing/2010/main" w="9525">
                   <a:solidFill>
                     <a:srgbClr val="000000"/>
                   </a:solidFill>
@@ -3364,7 +3365,7 @@
             </a:ln>
             <a:extLst>
               <a:ext uri="{91240B29-F687-4f45-9708-019B960494DF}">
-                <a14:hiddenLine xmlns:a14="http://schemas.microsoft.com/office/drawing/2010/main" xmlns="" w="9525">
+                <a14:hiddenLine xmlns="" xmlns:a14="http://schemas.microsoft.com/office/drawing/2010/main" w="9525">
                   <a:solidFill>
                     <a:srgbClr val="000000"/>
                   </a:solidFill>
@@ -3426,7 +3427,7 @@
             </a:ln>
             <a:extLst>
               <a:ext uri="{91240B29-F687-4f45-9708-019B960494DF}">
-                <a14:hiddenLine xmlns:a14="http://schemas.microsoft.com/office/drawing/2010/main" xmlns="" w="9525">
+                <a14:hiddenLine xmlns="" xmlns:a14="http://schemas.microsoft.com/office/drawing/2010/main" w="9525">
                   <a:solidFill>
                     <a:srgbClr val="000000"/>
                   </a:solidFill>
@@ -3516,7 +3517,7 @@
             </a:ln>
             <a:extLst>
               <a:ext uri="{91240B29-F687-4f45-9708-019B960494DF}">
-                <a14:hiddenLine xmlns:a14="http://schemas.microsoft.com/office/drawing/2010/main" xmlns="" w="9525">
+                <a14:hiddenLine xmlns="" xmlns:a14="http://schemas.microsoft.com/office/drawing/2010/main" w="9525">
                   <a:solidFill>
                     <a:srgbClr val="000000"/>
                   </a:solidFill>
@@ -3606,7 +3607,7 @@
             </a:ln>
             <a:extLst>
               <a:ext uri="{91240B29-F687-4f45-9708-019B960494DF}">
-                <a14:hiddenLine xmlns:a14="http://schemas.microsoft.com/office/drawing/2010/main" xmlns="" w="9525">
+                <a14:hiddenLine xmlns="" xmlns:a14="http://schemas.microsoft.com/office/drawing/2010/main" w="9525">
                   <a:solidFill>
                     <a:srgbClr val="000000"/>
                   </a:solidFill>
@@ -3671,7 +3672,7 @@
             </a:ln>
             <a:extLst>
               <a:ext uri="{91240B29-F687-4f45-9708-019B960494DF}">
-                <a14:hiddenLine xmlns:a14="http://schemas.microsoft.com/office/drawing/2010/main" xmlns="" w="9525">
+                <a14:hiddenLine xmlns="" xmlns:a14="http://schemas.microsoft.com/office/drawing/2010/main" w="9525">
                   <a:solidFill>
                     <a:srgbClr val="000000"/>
                   </a:solidFill>
@@ -3733,7 +3734,7 @@
             </a:ln>
             <a:extLst>
               <a:ext uri="{91240B29-F687-4f45-9708-019B960494DF}">
-                <a14:hiddenLine xmlns:a14="http://schemas.microsoft.com/office/drawing/2010/main" xmlns="" w="9525">
+                <a14:hiddenLine xmlns="" xmlns:a14="http://schemas.microsoft.com/office/drawing/2010/main" w="9525">
                   <a:solidFill>
                     <a:srgbClr val="000000"/>
                   </a:solidFill>
@@ -3823,7 +3824,7 @@
             </a:ln>
             <a:extLst>
               <a:ext uri="{91240B29-F687-4f45-9708-019B960494DF}">
-                <a14:hiddenLine xmlns:a14="http://schemas.microsoft.com/office/drawing/2010/main" xmlns="" w="9525">
+                <a14:hiddenLine xmlns="" xmlns:a14="http://schemas.microsoft.com/office/drawing/2010/main" w="9525">
                   <a:solidFill>
                     <a:srgbClr val="000000"/>
                   </a:solidFill>
@@ -3913,7 +3914,7 @@
             </a:ln>
             <a:extLst>
               <a:ext uri="{91240B29-F687-4f45-9708-019B960494DF}">
-                <a14:hiddenLine xmlns:a14="http://schemas.microsoft.com/office/drawing/2010/main" xmlns="" w="9525">
+                <a14:hiddenLine xmlns="" xmlns:a14="http://schemas.microsoft.com/office/drawing/2010/main" w="9525">
                   <a:solidFill>
                     <a:srgbClr val="000000"/>
                   </a:solidFill>
@@ -3975,7 +3976,7 @@
             </a:ln>
             <a:extLst>
               <a:ext uri="{91240B29-F687-4f45-9708-019B960494DF}">
-                <a14:hiddenLine xmlns:a14="http://schemas.microsoft.com/office/drawing/2010/main" xmlns="" w="9525">
+                <a14:hiddenLine xmlns="" xmlns:a14="http://schemas.microsoft.com/office/drawing/2010/main" w="9525">
                   <a:solidFill>
                     <a:srgbClr val="000000"/>
                   </a:solidFill>
@@ -4095,7 +4096,7 @@
             </a:ln>
             <a:extLst>
               <a:ext uri="{91240B29-F687-4f45-9708-019B960494DF}">
-                <a14:hiddenLine xmlns:a14="http://schemas.microsoft.com/office/drawing/2010/main" xmlns="" w="9525">
+                <a14:hiddenLine xmlns="" xmlns:a14="http://schemas.microsoft.com/office/drawing/2010/main" w="9525">
                   <a:solidFill>
                     <a:srgbClr val="000000"/>
                   </a:solidFill>
@@ -4163,7 +4164,7 @@
             </a:ln>
             <a:extLst>
               <a:ext uri="{91240B29-F687-4f45-9708-019B960494DF}">
-                <a14:hiddenLine xmlns:a14="http://schemas.microsoft.com/office/drawing/2010/main" xmlns="" w="9525">
+                <a14:hiddenLine xmlns="" xmlns:a14="http://schemas.microsoft.com/office/drawing/2010/main" w="9525">
                   <a:solidFill>
                     <a:srgbClr val="000000"/>
                   </a:solidFill>
@@ -4253,7 +4254,7 @@
             </a:ln>
             <a:extLst>
               <a:ext uri="{91240B29-F687-4f45-9708-019B960494DF}">
-                <a14:hiddenLine xmlns:a14="http://schemas.microsoft.com/office/drawing/2010/main" xmlns="" w="9525">
+                <a14:hiddenLine xmlns="" xmlns:a14="http://schemas.microsoft.com/office/drawing/2010/main" w="9525">
                   <a:solidFill>
                     <a:srgbClr val="000000"/>
                   </a:solidFill>
@@ -4393,7 +4394,7 @@
           <a:p>
             <a:fld id="{48A87A34-81AB-432B-8DAE-1953F412C126}" type="datetimeFigureOut">
               <a:rPr lang="en-US" dirty="0"/>
-              <a:t>3/23/2017</a:t>
+              <a:t>4/5/2017</a:t>
             </a:fld>
             <a:endParaRPr lang="en-US" dirty="0"/>
           </a:p>
@@ -4655,7 +4656,7 @@
           <a:p>
             <a:fld id="{48A87A34-81AB-432B-8DAE-1953F412C126}" type="datetimeFigureOut">
               <a:rPr lang="en-US" dirty="0"/>
-              <a:t>3/23/2017</a:t>
+              <a:t>4/5/2017</a:t>
             </a:fld>
             <a:endParaRPr lang="en-US" dirty="0"/>
           </a:p>
@@ -4846,7 +4847,7 @@
           <a:p>
             <a:fld id="{48A87A34-81AB-432B-8DAE-1953F412C126}" type="datetimeFigureOut">
               <a:rPr lang="en-US" dirty="0"/>
-              <a:t>3/23/2017</a:t>
+              <a:t>4/5/2017</a:t>
             </a:fld>
             <a:endParaRPr lang="en-US" dirty="0"/>
           </a:p>
@@ -5104,7 +5105,7 @@
           <a:p>
             <a:fld id="{48A87A34-81AB-432B-8DAE-1953F412C126}" type="datetimeFigureOut">
               <a:rPr lang="en-US" dirty="0"/>
-              <a:t>3/23/2017</a:t>
+              <a:t>4/5/2017</a:t>
             </a:fld>
             <a:endParaRPr lang="en-US" dirty="0"/>
           </a:p>
@@ -5533,7 +5534,7 @@
           <a:p>
             <a:fld id="{48A87A34-81AB-432B-8DAE-1953F412C126}" type="datetimeFigureOut">
               <a:rPr lang="en-US" dirty="0"/>
-              <a:t>3/23/2017</a:t>
+              <a:t>4/5/2017</a:t>
             </a:fld>
             <a:endParaRPr lang="en-US" dirty="0"/>
           </a:p>
@@ -6074,7 +6075,7 @@
           <a:p>
             <a:fld id="{48A87A34-81AB-432B-8DAE-1953F412C126}" type="datetimeFigureOut">
               <a:rPr lang="en-US" dirty="0"/>
-              <a:t>3/23/2017</a:t>
+              <a:t>4/5/2017</a:t>
             </a:fld>
             <a:endParaRPr lang="en-US" dirty="0"/>
           </a:p>
@@ -6789,7 +6790,7 @@
           <a:p>
             <a:fld id="{48A87A34-81AB-432B-8DAE-1953F412C126}" type="datetimeFigureOut">
               <a:rPr lang="en-US" dirty="0"/>
-              <a:t>3/23/2017</a:t>
+              <a:t>4/5/2017</a:t>
             </a:fld>
             <a:endParaRPr lang="en-US" dirty="0"/>
           </a:p>
@@ -6954,7 +6955,7 @@
           <a:p>
             <a:fld id="{48A87A34-81AB-432B-8DAE-1953F412C126}" type="datetimeFigureOut">
               <a:rPr lang="en-US" dirty="0"/>
-              <a:t>3/23/2017</a:t>
+              <a:t>4/5/2017</a:t>
             </a:fld>
             <a:endParaRPr lang="en-US" dirty="0"/>
           </a:p>
@@ -7129,7 +7130,7 @@
           <a:p>
             <a:fld id="{48A87A34-81AB-432B-8DAE-1953F412C126}" type="datetimeFigureOut">
               <a:rPr lang="en-US" dirty="0"/>
-              <a:t>3/23/2017</a:t>
+              <a:t>4/5/2017</a:t>
             </a:fld>
             <a:endParaRPr lang="en-US" dirty="0"/>
           </a:p>
@@ -7294,7 +7295,7 @@
           <a:p>
             <a:fld id="{48A87A34-81AB-432B-8DAE-1953F412C126}" type="datetimeFigureOut">
               <a:rPr lang="en-US" dirty="0"/>
-              <a:t>3/23/2017</a:t>
+              <a:t>4/5/2017</a:t>
             </a:fld>
             <a:endParaRPr lang="en-US" dirty="0"/>
           </a:p>
@@ -7539,7 +7540,7 @@
           <a:p>
             <a:fld id="{48A87A34-81AB-432B-8DAE-1953F412C126}" type="datetimeFigureOut">
               <a:rPr lang="en-US" dirty="0"/>
-              <a:t>3/23/2017</a:t>
+              <a:t>4/5/2017</a:t>
             </a:fld>
             <a:endParaRPr lang="en-US" dirty="0"/>
           </a:p>
@@ -7766,7 +7767,7 @@
           <a:p>
             <a:fld id="{48A87A34-81AB-432B-8DAE-1953F412C126}" type="datetimeFigureOut">
               <a:rPr lang="en-US" dirty="0"/>
-              <a:t>3/23/2017</a:t>
+              <a:t>4/5/2017</a:t>
             </a:fld>
             <a:endParaRPr lang="en-US" dirty="0"/>
           </a:p>
@@ -8142,7 +8143,7 @@
           <a:p>
             <a:fld id="{48A87A34-81AB-432B-8DAE-1953F412C126}" type="datetimeFigureOut">
               <a:rPr lang="en-US" dirty="0"/>
-              <a:t>3/23/2017</a:t>
+              <a:t>4/5/2017</a:t>
             </a:fld>
             <a:endParaRPr lang="en-US" dirty="0"/>
           </a:p>
@@ -8255,7 +8256,7 @@
           <a:p>
             <a:fld id="{48A87A34-81AB-432B-8DAE-1953F412C126}" type="datetimeFigureOut">
               <a:rPr lang="en-US" dirty="0"/>
-              <a:t>3/23/2017</a:t>
+              <a:t>4/5/2017</a:t>
             </a:fld>
             <a:endParaRPr lang="en-US" dirty="0"/>
           </a:p>
@@ -8345,7 +8346,7 @@
           <a:p>
             <a:fld id="{48A87A34-81AB-432B-8DAE-1953F412C126}" type="datetimeFigureOut">
               <a:rPr lang="en-US" dirty="0"/>
-              <a:t>3/23/2017</a:t>
+              <a:t>4/5/2017</a:t>
             </a:fld>
             <a:endParaRPr lang="en-US" dirty="0"/>
           </a:p>
@@ -8589,7 +8590,7 @@
           <a:p>
             <a:fld id="{48A87A34-81AB-432B-8DAE-1953F412C126}" type="datetimeFigureOut">
               <a:rPr lang="en-US" dirty="0"/>
-              <a:t>3/23/2017</a:t>
+              <a:t>4/5/2017</a:t>
             </a:fld>
             <a:endParaRPr lang="en-US" dirty="0"/>
           </a:p>
@@ -8864,7 +8865,7 @@
           <a:p>
             <a:fld id="{48A87A34-81AB-432B-8DAE-1953F412C126}" type="datetimeFigureOut">
               <a:rPr lang="en-US" dirty="0"/>
-              <a:t>3/23/2017</a:t>
+              <a:t>4/5/2017</a:t>
             </a:fld>
             <a:endParaRPr lang="en-US" dirty="0"/>
           </a:p>
@@ -8975,7 +8976,7 @@
           <a:noFill/>
           <a:extLst>
             <a:ext uri="{909E8E84-426E-40dd-AFC4-6F175D3DCCD1}">
-              <a14:hiddenFill xmlns:a14="http://schemas.microsoft.com/office/drawing/2010/main" xmlns="">
+              <a14:hiddenFill xmlns="" xmlns:a14="http://schemas.microsoft.com/office/drawing/2010/main">
                 <a:solidFill>
                   <a:srgbClr val="FFFFFF"/>
                 </a:solidFill>
@@ -9049,7 +9050,7 @@
               </a:ln>
               <a:extLst>
                 <a:ext uri="{91240B29-F687-4f45-9708-019B960494DF}">
-                  <a14:hiddenLine xmlns:a14="http://schemas.microsoft.com/office/drawing/2010/main" xmlns="" w="9525">
+                  <a14:hiddenLine xmlns="" xmlns:a14="http://schemas.microsoft.com/office/drawing/2010/main" w="9525">
                     <a:solidFill>
                       <a:srgbClr val="000000"/>
                     </a:solidFill>
@@ -9139,7 +9140,7 @@
               </a:ln>
               <a:extLst>
                 <a:ext uri="{91240B29-F687-4f45-9708-019B960494DF}">
-                  <a14:hiddenLine xmlns:a14="http://schemas.microsoft.com/office/drawing/2010/main" xmlns="" w="9525">
+                  <a14:hiddenLine xmlns="" xmlns:a14="http://schemas.microsoft.com/office/drawing/2010/main" w="9525">
                     <a:solidFill>
                       <a:srgbClr val="000000"/>
                     </a:solidFill>
@@ -9229,7 +9230,7 @@
               </a:ln>
               <a:extLst>
                 <a:ext uri="{91240B29-F687-4f45-9708-019B960494DF}">
-                  <a14:hiddenLine xmlns:a14="http://schemas.microsoft.com/office/drawing/2010/main" xmlns="" w="9525">
+                  <a14:hiddenLine xmlns="" xmlns:a14="http://schemas.microsoft.com/office/drawing/2010/main" w="9525">
                     <a:solidFill>
                       <a:srgbClr val="000000"/>
                     </a:solidFill>
@@ -9291,7 +9292,7 @@
               </a:ln>
               <a:extLst>
                 <a:ext uri="{91240B29-F687-4f45-9708-019B960494DF}">
-                  <a14:hiddenLine xmlns:a14="http://schemas.microsoft.com/office/drawing/2010/main" xmlns="" w="9525">
+                  <a14:hiddenLine xmlns="" xmlns:a14="http://schemas.microsoft.com/office/drawing/2010/main" w="9525">
                     <a:solidFill>
                       <a:srgbClr val="000000"/>
                     </a:solidFill>
@@ -9381,7 +9382,7 @@
               </a:ln>
               <a:extLst>
                 <a:ext uri="{91240B29-F687-4f45-9708-019B960494DF}">
-                  <a14:hiddenLine xmlns:a14="http://schemas.microsoft.com/office/drawing/2010/main" xmlns="" w="9525">
+                  <a14:hiddenLine xmlns="" xmlns:a14="http://schemas.microsoft.com/office/drawing/2010/main" w="9525">
                     <a:solidFill>
                       <a:srgbClr val="000000"/>
                     </a:solidFill>
@@ -9443,7 +9444,7 @@
               </a:ln>
               <a:extLst>
                 <a:ext uri="{91240B29-F687-4f45-9708-019B960494DF}">
-                  <a14:hiddenLine xmlns:a14="http://schemas.microsoft.com/office/drawing/2010/main" xmlns="" w="9525">
+                  <a14:hiddenLine xmlns="" xmlns:a14="http://schemas.microsoft.com/office/drawing/2010/main" w="9525">
                     <a:solidFill>
                       <a:srgbClr val="000000"/>
                     </a:solidFill>
@@ -9505,7 +9506,7 @@
               </a:ln>
               <a:extLst>
                 <a:ext uri="{91240B29-F687-4f45-9708-019B960494DF}">
-                  <a14:hiddenLine xmlns:a14="http://schemas.microsoft.com/office/drawing/2010/main" xmlns="" w="9525">
+                  <a14:hiddenLine xmlns="" xmlns:a14="http://schemas.microsoft.com/office/drawing/2010/main" w="9525">
                     <a:solidFill>
                       <a:srgbClr val="000000"/>
                     </a:solidFill>
@@ -9595,7 +9596,7 @@
               </a:ln>
               <a:extLst>
                 <a:ext uri="{91240B29-F687-4f45-9708-019B960494DF}">
-                  <a14:hiddenLine xmlns:a14="http://schemas.microsoft.com/office/drawing/2010/main" xmlns="" w="9525">
+                  <a14:hiddenLine xmlns="" xmlns:a14="http://schemas.microsoft.com/office/drawing/2010/main" w="9525">
                     <a:solidFill>
                       <a:srgbClr val="000000"/>
                     </a:solidFill>
@@ -9685,7 +9686,7 @@
               </a:ln>
               <a:extLst>
                 <a:ext uri="{91240B29-F687-4f45-9708-019B960494DF}">
-                  <a14:hiddenLine xmlns:a14="http://schemas.microsoft.com/office/drawing/2010/main" xmlns="" w="9525">
+                  <a14:hiddenLine xmlns="" xmlns:a14="http://schemas.microsoft.com/office/drawing/2010/main" w="9525">
                     <a:solidFill>
                       <a:srgbClr val="000000"/>
                     </a:solidFill>
@@ -9747,7 +9748,7 @@
               </a:ln>
               <a:extLst>
                 <a:ext uri="{91240B29-F687-4f45-9708-019B960494DF}">
-                  <a14:hiddenLine xmlns:a14="http://schemas.microsoft.com/office/drawing/2010/main" xmlns="" w="9525">
+                  <a14:hiddenLine xmlns="" xmlns:a14="http://schemas.microsoft.com/office/drawing/2010/main" w="9525">
                     <a:solidFill>
                       <a:srgbClr val="000000"/>
                     </a:solidFill>
@@ -9857,7 +9858,7 @@
               </a:ln>
               <a:extLst>
                 <a:ext uri="{91240B29-F687-4f45-9708-019B960494DF}">
-                  <a14:hiddenLine xmlns:a14="http://schemas.microsoft.com/office/drawing/2010/main" xmlns="" w="9525">
+                  <a14:hiddenLine xmlns="" xmlns:a14="http://schemas.microsoft.com/office/drawing/2010/main" w="9525">
                     <a:solidFill>
                       <a:srgbClr val="000000"/>
                     </a:solidFill>
@@ -9941,7 +9942,7 @@
               </a:ln>
               <a:extLst>
                 <a:ext uri="{91240B29-F687-4f45-9708-019B960494DF}">
-                  <a14:hiddenLine xmlns:a14="http://schemas.microsoft.com/office/drawing/2010/main" xmlns="" w="9525">
+                  <a14:hiddenLine xmlns="" xmlns:a14="http://schemas.microsoft.com/office/drawing/2010/main" w="9525">
                     <a:solidFill>
                       <a:srgbClr val="000000"/>
                     </a:solidFill>
@@ -10003,7 +10004,7 @@
               </a:ln>
               <a:extLst>
                 <a:ext uri="{91240B29-F687-4f45-9708-019B960494DF}">
-                  <a14:hiddenLine xmlns:a14="http://schemas.microsoft.com/office/drawing/2010/main" xmlns="" w="9525">
+                  <a14:hiddenLine xmlns="" xmlns:a14="http://schemas.microsoft.com/office/drawing/2010/main" w="9525">
                     <a:solidFill>
                       <a:srgbClr val="000000"/>
                     </a:solidFill>
@@ -10065,7 +10066,7 @@
               </a:ln>
               <a:extLst>
                 <a:ext uri="{91240B29-F687-4f45-9708-019B960494DF}">
-                  <a14:hiddenLine xmlns:a14="http://schemas.microsoft.com/office/drawing/2010/main" xmlns="" w="9525">
+                  <a14:hiddenLine xmlns="" xmlns:a14="http://schemas.microsoft.com/office/drawing/2010/main" w="9525">
                     <a:solidFill>
                       <a:srgbClr val="000000"/>
                     </a:solidFill>
@@ -10155,7 +10156,7 @@
               </a:ln>
               <a:extLst>
                 <a:ext uri="{91240B29-F687-4f45-9708-019B960494DF}">
-                  <a14:hiddenLine xmlns:a14="http://schemas.microsoft.com/office/drawing/2010/main" xmlns="" w="9525">
+                  <a14:hiddenLine xmlns="" xmlns:a14="http://schemas.microsoft.com/office/drawing/2010/main" w="9525">
                     <a:solidFill>
                       <a:srgbClr val="000000"/>
                     </a:solidFill>
@@ -10189,7 +10190,7 @@
               </a:ln>
               <a:extLst>
                 <a:ext uri="{91240B29-F687-4f45-9708-019B960494DF}">
-                  <a14:hiddenLine xmlns:a14="http://schemas.microsoft.com/office/drawing/2010/main" xmlns="" w="9525">
+                  <a14:hiddenLine xmlns="" xmlns:a14="http://schemas.microsoft.com/office/drawing/2010/main" w="9525">
                     <a:solidFill>
                       <a:srgbClr val="000000"/>
                     </a:solidFill>
@@ -10254,7 +10255,7 @@
               </a:ln>
               <a:extLst>
                 <a:ext uri="{91240B29-F687-4f45-9708-019B960494DF}">
-                  <a14:hiddenLine xmlns:a14="http://schemas.microsoft.com/office/drawing/2010/main" xmlns="" w="9525">
+                  <a14:hiddenLine xmlns="" xmlns:a14="http://schemas.microsoft.com/office/drawing/2010/main" w="9525">
                     <a:solidFill>
                       <a:srgbClr val="000000"/>
                     </a:solidFill>
@@ -10344,7 +10345,7 @@
               </a:ln>
               <a:extLst>
                 <a:ext uri="{91240B29-F687-4f45-9708-019B960494DF}">
-                  <a14:hiddenLine xmlns:a14="http://schemas.microsoft.com/office/drawing/2010/main" xmlns="" w="9525">
+                  <a14:hiddenLine xmlns="" xmlns:a14="http://schemas.microsoft.com/office/drawing/2010/main" w="9525">
                     <a:solidFill>
                       <a:srgbClr val="000000"/>
                     </a:solidFill>
@@ -10406,7 +10407,7 @@
               </a:ln>
               <a:extLst>
                 <a:ext uri="{91240B29-F687-4f45-9708-019B960494DF}">
-                  <a14:hiddenLine xmlns:a14="http://schemas.microsoft.com/office/drawing/2010/main" xmlns="" w="9525">
+                  <a14:hiddenLine xmlns="" xmlns:a14="http://schemas.microsoft.com/office/drawing/2010/main" w="9525">
                     <a:solidFill>
                       <a:srgbClr val="000000"/>
                     </a:solidFill>
@@ -10496,7 +10497,7 @@
               </a:ln>
               <a:extLst>
                 <a:ext uri="{91240B29-F687-4f45-9708-019B960494DF}">
-                  <a14:hiddenLine xmlns:a14="http://schemas.microsoft.com/office/drawing/2010/main" xmlns="" w="9525">
+                  <a14:hiddenLine xmlns="" xmlns:a14="http://schemas.microsoft.com/office/drawing/2010/main" w="9525">
                     <a:solidFill>
                       <a:srgbClr val="000000"/>
                     </a:solidFill>
@@ -10561,7 +10562,7 @@
               </a:ln>
               <a:extLst>
                 <a:ext uri="{91240B29-F687-4f45-9708-019B960494DF}">
-                  <a14:hiddenLine xmlns:a14="http://schemas.microsoft.com/office/drawing/2010/main" xmlns="" w="9525">
+                  <a14:hiddenLine xmlns="" xmlns:a14="http://schemas.microsoft.com/office/drawing/2010/main" w="9525">
                     <a:solidFill>
                       <a:srgbClr val="000000"/>
                     </a:solidFill>
@@ -10623,7 +10624,7 @@
               </a:ln>
               <a:extLst>
                 <a:ext uri="{91240B29-F687-4f45-9708-019B960494DF}">
-                  <a14:hiddenLine xmlns:a14="http://schemas.microsoft.com/office/drawing/2010/main" xmlns="" w="9525">
+                  <a14:hiddenLine xmlns="" xmlns:a14="http://schemas.microsoft.com/office/drawing/2010/main" w="9525">
                     <a:solidFill>
                       <a:srgbClr val="000000"/>
                     </a:solidFill>
@@ -10713,7 +10714,7 @@
               </a:ln>
               <a:extLst>
                 <a:ext uri="{91240B29-F687-4f45-9708-019B960494DF}">
-                  <a14:hiddenLine xmlns:a14="http://schemas.microsoft.com/office/drawing/2010/main" xmlns="" w="9525">
+                  <a14:hiddenLine xmlns="" xmlns:a14="http://schemas.microsoft.com/office/drawing/2010/main" w="9525">
                     <a:solidFill>
                       <a:srgbClr val="000000"/>
                     </a:solidFill>
@@ -10803,7 +10804,7 @@
               </a:ln>
               <a:extLst>
                 <a:ext uri="{91240B29-F687-4f45-9708-019B960494DF}">
-                  <a14:hiddenLine xmlns:a14="http://schemas.microsoft.com/office/drawing/2010/main" xmlns="" w="9525">
+                  <a14:hiddenLine xmlns="" xmlns:a14="http://schemas.microsoft.com/office/drawing/2010/main" w="9525">
                     <a:solidFill>
                       <a:srgbClr val="000000"/>
                     </a:solidFill>
@@ -10868,7 +10869,7 @@
               </a:ln>
               <a:extLst>
                 <a:ext uri="{91240B29-F687-4f45-9708-019B960494DF}">
-                  <a14:hiddenLine xmlns:a14="http://schemas.microsoft.com/office/drawing/2010/main" xmlns="" w="9525">
+                  <a14:hiddenLine xmlns="" xmlns:a14="http://schemas.microsoft.com/office/drawing/2010/main" w="9525">
                     <a:solidFill>
                       <a:srgbClr val="000000"/>
                     </a:solidFill>
@@ -10988,7 +10989,7 @@
               </a:ln>
               <a:extLst>
                 <a:ext uri="{91240B29-F687-4f45-9708-019B960494DF}">
-                  <a14:hiddenLine xmlns:a14="http://schemas.microsoft.com/office/drawing/2010/main" xmlns="" w="9525">
+                  <a14:hiddenLine xmlns="" xmlns:a14="http://schemas.microsoft.com/office/drawing/2010/main" w="9525">
                     <a:solidFill>
                       <a:srgbClr val="000000"/>
                     </a:solidFill>
@@ -11086,7 +11087,7 @@
               </a:ln>
               <a:extLst>
                 <a:ext uri="{91240B29-F687-4f45-9708-019B960494DF}">
-                  <a14:hiddenLine xmlns:a14="http://schemas.microsoft.com/office/drawing/2010/main" xmlns="" w="9525">
+                  <a14:hiddenLine xmlns="" xmlns:a14="http://schemas.microsoft.com/office/drawing/2010/main" w="9525">
                     <a:solidFill>
                       <a:srgbClr val="000000"/>
                     </a:solidFill>
@@ -11201,7 +11202,7 @@
               </a:ln>
               <a:extLst>
                 <a:ext uri="{91240B29-F687-4f45-9708-019B960494DF}">
-                  <a14:hiddenLine xmlns:a14="http://schemas.microsoft.com/office/drawing/2010/main" xmlns="" w="9525">
+                  <a14:hiddenLine xmlns="" xmlns:a14="http://schemas.microsoft.com/office/drawing/2010/main" w="9525">
                     <a:solidFill>
                       <a:srgbClr val="000000"/>
                     </a:solidFill>
@@ -11291,7 +11292,7 @@
               </a:ln>
               <a:extLst>
                 <a:ext uri="{91240B29-F687-4f45-9708-019B960494DF}">
-                  <a14:hiddenLine xmlns:a14="http://schemas.microsoft.com/office/drawing/2010/main" xmlns="" w="9525">
+                  <a14:hiddenLine xmlns="" xmlns:a14="http://schemas.microsoft.com/office/drawing/2010/main" w="9525">
                     <a:solidFill>
                       <a:srgbClr val="000000"/>
                     </a:solidFill>
@@ -11356,7 +11357,7 @@
               </a:ln>
               <a:extLst>
                 <a:ext uri="{91240B29-F687-4f45-9708-019B960494DF}">
-                  <a14:hiddenLine xmlns:a14="http://schemas.microsoft.com/office/drawing/2010/main" xmlns="" w="9525">
+                  <a14:hiddenLine xmlns="" xmlns:a14="http://schemas.microsoft.com/office/drawing/2010/main" w="9525">
                     <a:solidFill>
                       <a:srgbClr val="000000"/>
                     </a:solidFill>
@@ -11446,7 +11447,7 @@
               </a:ln>
               <a:extLst>
                 <a:ext uri="{91240B29-F687-4f45-9708-019B960494DF}">
-                  <a14:hiddenLine xmlns:a14="http://schemas.microsoft.com/office/drawing/2010/main" xmlns="" w="9525">
+                  <a14:hiddenLine xmlns="" xmlns:a14="http://schemas.microsoft.com/office/drawing/2010/main" w="9525">
                     <a:solidFill>
                       <a:srgbClr val="000000"/>
                     </a:solidFill>
@@ -11514,7 +11515,7 @@
               </a:ln>
               <a:extLst>
                 <a:ext uri="{91240B29-F687-4f45-9708-019B960494DF}">
-                  <a14:hiddenLine xmlns:a14="http://schemas.microsoft.com/office/drawing/2010/main" xmlns="" w="9525">
+                  <a14:hiddenLine xmlns="" xmlns:a14="http://schemas.microsoft.com/office/drawing/2010/main" w="9525">
                     <a:solidFill>
                       <a:srgbClr val="000000"/>
                     </a:solidFill>
@@ -11604,7 +11605,7 @@
               </a:ln>
               <a:extLst>
                 <a:ext uri="{91240B29-F687-4f45-9708-019B960494DF}">
-                  <a14:hiddenLine xmlns:a14="http://schemas.microsoft.com/office/drawing/2010/main" xmlns="" w="9525">
+                  <a14:hiddenLine xmlns="" xmlns:a14="http://schemas.microsoft.com/office/drawing/2010/main" w="9525">
                     <a:solidFill>
                       <a:srgbClr val="000000"/>
                     </a:solidFill>
@@ -11672,7 +11673,7 @@
               </a:ln>
               <a:extLst>
                 <a:ext uri="{91240B29-F687-4f45-9708-019B960494DF}">
-                  <a14:hiddenLine xmlns:a14="http://schemas.microsoft.com/office/drawing/2010/main" xmlns="" w="9525">
+                  <a14:hiddenLine xmlns="" xmlns:a14="http://schemas.microsoft.com/office/drawing/2010/main" w="9525">
                     <a:solidFill>
                       <a:srgbClr val="000000"/>
                     </a:solidFill>
@@ -11762,7 +11763,7 @@
               </a:ln>
               <a:extLst>
                 <a:ext uri="{91240B29-F687-4f45-9708-019B960494DF}">
-                  <a14:hiddenLine xmlns:a14="http://schemas.microsoft.com/office/drawing/2010/main" xmlns="" w="9525">
+                  <a14:hiddenLine xmlns="" xmlns:a14="http://schemas.microsoft.com/office/drawing/2010/main" w="9525">
                     <a:solidFill>
                       <a:srgbClr val="000000"/>
                     </a:solidFill>
@@ -11796,7 +11797,7 @@
               </a:ln>
               <a:extLst>
                 <a:ext uri="{91240B29-F687-4f45-9708-019B960494DF}">
-                  <a14:hiddenLine xmlns:a14="http://schemas.microsoft.com/office/drawing/2010/main" xmlns="" w="9525">
+                  <a14:hiddenLine xmlns="" xmlns:a14="http://schemas.microsoft.com/office/drawing/2010/main" w="9525">
                     <a:solidFill>
                       <a:srgbClr val="000000"/>
                     </a:solidFill>
@@ -11937,7 +11938,7 @@
             <a:fld id="{48A87A34-81AB-432B-8DAE-1953F412C126}" type="datetimeFigureOut">
               <a:rPr lang="en-US" dirty="0"/>
               <a:pPr/>
-              <a:t>3/23/2017</a:t>
+              <a:t>4/5/2017</a:t>
             </a:fld>
             <a:endParaRPr lang="en-US" dirty="0"/>
           </a:p>
@@ -13029,6 +13030,140 @@
 </p:sld>
 </file>
 
+<file path=ppt/slides/slide7.xml><?xml version="1.0" encoding="utf-8"?>
+<p:sld xmlns:a="http://schemas.openxmlformats.org/drawingml/2006/main" xmlns:r="http://schemas.openxmlformats.org/officeDocument/2006/relationships" xmlns:p="http://schemas.openxmlformats.org/presentationml/2006/main">
+  <p:cSld>
+    <p:spTree>
+      <p:nvGrpSpPr>
+        <p:cNvPr id="1" name=""/>
+        <p:cNvGrpSpPr/>
+        <p:nvPr/>
+      </p:nvGrpSpPr>
+      <p:grpSpPr>
+        <a:xfrm>
+          <a:off x="0" y="0"/>
+          <a:ext cx="0" cy="0"/>
+          <a:chOff x="0" y="0"/>
+          <a:chExt cx="0" cy="0"/>
+        </a:xfrm>
+      </p:grpSpPr>
+      <p:sp>
+        <p:nvSpPr>
+          <p:cNvPr id="2" name="Title 1"/>
+          <p:cNvSpPr>
+            <a:spLocks noGrp="1"/>
+          </p:cNvSpPr>
+          <p:nvPr>
+            <p:ph type="title"/>
+          </p:nvPr>
+        </p:nvSpPr>
+        <p:spPr/>
+        <p:txBody>
+          <a:bodyPr/>
+          <a:lstStyle/>
+          <a:p>
+            <a:endParaRPr lang="en-US"/>
+          </a:p>
+        </p:txBody>
+      </p:sp>
+      <p:sp>
+        <p:nvSpPr>
+          <p:cNvPr id="3" name="Content Placeholder 2"/>
+          <p:cNvSpPr>
+            <a:spLocks noGrp="1"/>
+          </p:cNvSpPr>
+          <p:nvPr>
+            <p:ph idx="1"/>
+          </p:nvPr>
+        </p:nvSpPr>
+        <p:spPr/>
+        <p:txBody>
+          <a:bodyPr/>
+          <a:lstStyle/>
+          <a:p>
+            <a:r>
+              <a:rPr lang="en-US" dirty="0"/>
+              <a:t>cache is merely persist with the default storage level MEMORY_ONLY</a:t>
+            </a:r>
+          </a:p>
+        </p:txBody>
+      </p:sp>
+      <p:sp>
+        <p:nvSpPr>
+          <p:cNvPr id="4" name="Rectangle 3"/>
+          <p:cNvSpPr/>
+          <p:nvPr/>
+        </p:nvSpPr>
+        <p:spPr>
+          <a:xfrm>
+            <a:off x="3048000" y="3105835"/>
+            <a:ext cx="6096000" cy="646331"/>
+          </a:xfrm>
+          <a:prstGeom prst="rect">
+            <a:avLst/>
+          </a:prstGeom>
+        </p:spPr>
+        <p:txBody>
+          <a:bodyPr>
+            <a:spAutoFit/>
+          </a:bodyPr>
+          <a:lstStyle/>
+          <a:p>
+            <a:r>
+              <a:rPr lang="en-US" dirty="0">
+                <a:latin typeface="MinionPro-Regular"/>
+              </a:rPr>
+              <a:t>default </a:t>
+            </a:r>
+            <a:r>
+              <a:rPr lang="en-US" dirty="0">
+                <a:latin typeface="UbuntuMono-Regular"/>
+              </a:rPr>
+              <a:t>persist() </a:t>
+            </a:r>
+            <a:r>
+              <a:rPr lang="en-US" dirty="0">
+                <a:latin typeface="MinionPro-Regular"/>
+              </a:rPr>
+              <a:t>will</a:t>
+            </a:r>
+          </a:p>
+          <a:p>
+            <a:r>
+              <a:rPr lang="en-US" dirty="0">
+                <a:latin typeface="MinionPro-Regular"/>
+              </a:rPr>
+              <a:t>store the data in the JVM heap as </a:t>
+            </a:r>
+            <a:r>
+              <a:rPr lang="en-US" dirty="0" err="1">
+                <a:latin typeface="MinionPro-Regular"/>
+              </a:rPr>
+              <a:t>unserialized</a:t>
+            </a:r>
+            <a:r>
+              <a:rPr lang="en-US" dirty="0">
+                <a:latin typeface="MinionPro-Regular"/>
+              </a:rPr>
+              <a:t> objects.</a:t>
+            </a:r>
+            <a:endParaRPr lang="en-US" dirty="0"/>
+          </a:p>
+        </p:txBody>
+      </p:sp>
+    </p:spTree>
+    <p:extLst>
+      <p:ext uri="{BB962C8B-B14F-4D97-AF65-F5344CB8AC3E}">
+        <p14:creationId xmlns:p14="http://schemas.microsoft.com/office/powerpoint/2010/main" val="207738046"/>
+      </p:ext>
+    </p:extLst>
+  </p:cSld>
+  <p:clrMapOvr>
+    <a:masterClrMapping/>
+  </p:clrMapOvr>
+</p:sld>
+</file>
+
 <file path=ppt/theme/theme1.xml><?xml version="1.0" encoding="utf-8"?>
 <a:theme xmlns:a="http://schemas.openxmlformats.org/drawingml/2006/main" name="Circuit">
   <a:themeElements>
